--- a/2020/6月.pptx
+++ b/2020/6月.pptx
@@ -297,7 +297,8 @@
           <a:p>
             <a:fld id="{5316F74B-F80F-4EE3-9641-4C376E15D1D9}" type="datetimeFigureOut">
               <a:rPr lang="vi-VN" smtClean="0"/>
-              <a:t>03/01/2020</a:t>
+              <a:pPr/>
+              <a:t>07/06/2020</a:t>
             </a:fld>
             <a:endParaRPr lang="vi-VN"/>
           </a:p>
@@ -339,6 +340,7 @@
           <a:p>
             <a:fld id="{503F48C3-1B48-47E2-9464-460090429356}" type="slidenum">
               <a:rPr lang="vi-VN" smtClean="0"/>
+              <a:pPr/>
               <a:t>‹#›</a:t>
             </a:fld>
             <a:endParaRPr lang="vi-VN"/>
@@ -348,7 +350,7 @@
     </p:spTree>
     <p:extLst>
       <p:ext uri="{BB962C8B-B14F-4D97-AF65-F5344CB8AC3E}">
-        <p14:creationId xmlns:p14="http://schemas.microsoft.com/office/powerpoint/2010/main" val="1697009686"/>
+        <p14:creationId xmlns:p14="http://schemas.microsoft.com/office/powerpoint/2010/main" xmlns="" val="1697009686"/>
       </p:ext>
     </p:extLst>
   </p:cSld>
@@ -467,7 +469,8 @@
           <a:p>
             <a:fld id="{5316F74B-F80F-4EE3-9641-4C376E15D1D9}" type="datetimeFigureOut">
               <a:rPr lang="vi-VN" smtClean="0"/>
-              <a:t>03/01/2020</a:t>
+              <a:pPr/>
+              <a:t>07/06/2020</a:t>
             </a:fld>
             <a:endParaRPr lang="vi-VN"/>
           </a:p>
@@ -509,6 +512,7 @@
           <a:p>
             <a:fld id="{503F48C3-1B48-47E2-9464-460090429356}" type="slidenum">
               <a:rPr lang="vi-VN" smtClean="0"/>
+              <a:pPr/>
               <a:t>‹#›</a:t>
             </a:fld>
             <a:endParaRPr lang="vi-VN"/>
@@ -518,7 +522,7 @@
     </p:spTree>
     <p:extLst>
       <p:ext uri="{BB962C8B-B14F-4D97-AF65-F5344CB8AC3E}">
-        <p14:creationId xmlns:p14="http://schemas.microsoft.com/office/powerpoint/2010/main" val="2502189983"/>
+        <p14:creationId xmlns:p14="http://schemas.microsoft.com/office/powerpoint/2010/main" xmlns="" val="2502189983"/>
       </p:ext>
     </p:extLst>
   </p:cSld>
@@ -647,7 +651,8 @@
           <a:p>
             <a:fld id="{5316F74B-F80F-4EE3-9641-4C376E15D1D9}" type="datetimeFigureOut">
               <a:rPr lang="vi-VN" smtClean="0"/>
-              <a:t>03/01/2020</a:t>
+              <a:pPr/>
+              <a:t>07/06/2020</a:t>
             </a:fld>
             <a:endParaRPr lang="vi-VN"/>
           </a:p>
@@ -689,6 +694,7 @@
           <a:p>
             <a:fld id="{503F48C3-1B48-47E2-9464-460090429356}" type="slidenum">
               <a:rPr lang="vi-VN" smtClean="0"/>
+              <a:pPr/>
               <a:t>‹#›</a:t>
             </a:fld>
             <a:endParaRPr lang="vi-VN"/>
@@ -698,7 +704,7 @@
     </p:spTree>
     <p:extLst>
       <p:ext uri="{BB962C8B-B14F-4D97-AF65-F5344CB8AC3E}">
-        <p14:creationId xmlns:p14="http://schemas.microsoft.com/office/powerpoint/2010/main" val="3024094188"/>
+        <p14:creationId xmlns:p14="http://schemas.microsoft.com/office/powerpoint/2010/main" xmlns="" val="3024094188"/>
       </p:ext>
     </p:extLst>
   </p:cSld>
@@ -817,7 +823,8 @@
           <a:p>
             <a:fld id="{5316F74B-F80F-4EE3-9641-4C376E15D1D9}" type="datetimeFigureOut">
               <a:rPr lang="vi-VN" smtClean="0"/>
-              <a:t>03/01/2020</a:t>
+              <a:pPr/>
+              <a:t>07/06/2020</a:t>
             </a:fld>
             <a:endParaRPr lang="vi-VN"/>
           </a:p>
@@ -859,6 +866,7 @@
           <a:p>
             <a:fld id="{503F48C3-1B48-47E2-9464-460090429356}" type="slidenum">
               <a:rPr lang="vi-VN" smtClean="0"/>
+              <a:pPr/>
               <a:t>‹#›</a:t>
             </a:fld>
             <a:endParaRPr lang="vi-VN"/>
@@ -868,7 +876,7 @@
     </p:spTree>
     <p:extLst>
       <p:ext uri="{BB962C8B-B14F-4D97-AF65-F5344CB8AC3E}">
-        <p14:creationId xmlns:p14="http://schemas.microsoft.com/office/powerpoint/2010/main" val="2462975785"/>
+        <p14:creationId xmlns:p14="http://schemas.microsoft.com/office/powerpoint/2010/main" xmlns="" val="2462975785"/>
       </p:ext>
     </p:extLst>
   </p:cSld>
@@ -1063,7 +1071,8 @@
           <a:p>
             <a:fld id="{5316F74B-F80F-4EE3-9641-4C376E15D1D9}" type="datetimeFigureOut">
               <a:rPr lang="vi-VN" smtClean="0"/>
-              <a:t>03/01/2020</a:t>
+              <a:pPr/>
+              <a:t>07/06/2020</a:t>
             </a:fld>
             <a:endParaRPr lang="vi-VN"/>
           </a:p>
@@ -1105,6 +1114,7 @@
           <a:p>
             <a:fld id="{503F48C3-1B48-47E2-9464-460090429356}" type="slidenum">
               <a:rPr lang="vi-VN" smtClean="0"/>
+              <a:pPr/>
               <a:t>‹#›</a:t>
             </a:fld>
             <a:endParaRPr lang="vi-VN"/>
@@ -1114,7 +1124,7 @@
     </p:spTree>
     <p:extLst>
       <p:ext uri="{BB962C8B-B14F-4D97-AF65-F5344CB8AC3E}">
-        <p14:creationId xmlns:p14="http://schemas.microsoft.com/office/powerpoint/2010/main" val="1792755390"/>
+        <p14:creationId xmlns:p14="http://schemas.microsoft.com/office/powerpoint/2010/main" xmlns="" val="1792755390"/>
       </p:ext>
     </p:extLst>
   </p:cSld>
@@ -1351,7 +1361,8 @@
           <a:p>
             <a:fld id="{5316F74B-F80F-4EE3-9641-4C376E15D1D9}" type="datetimeFigureOut">
               <a:rPr lang="vi-VN" smtClean="0"/>
-              <a:t>03/01/2020</a:t>
+              <a:pPr/>
+              <a:t>07/06/2020</a:t>
             </a:fld>
             <a:endParaRPr lang="vi-VN"/>
           </a:p>
@@ -1393,6 +1404,7 @@
           <a:p>
             <a:fld id="{503F48C3-1B48-47E2-9464-460090429356}" type="slidenum">
               <a:rPr lang="vi-VN" smtClean="0"/>
+              <a:pPr/>
               <a:t>‹#›</a:t>
             </a:fld>
             <a:endParaRPr lang="vi-VN"/>
@@ -1402,7 +1414,7 @@
     </p:spTree>
     <p:extLst>
       <p:ext uri="{BB962C8B-B14F-4D97-AF65-F5344CB8AC3E}">
-        <p14:creationId xmlns:p14="http://schemas.microsoft.com/office/powerpoint/2010/main" val="2645826871"/>
+        <p14:creationId xmlns:p14="http://schemas.microsoft.com/office/powerpoint/2010/main" xmlns="" val="2645826871"/>
       </p:ext>
     </p:extLst>
   </p:cSld>
@@ -1773,7 +1785,8 @@
           <a:p>
             <a:fld id="{5316F74B-F80F-4EE3-9641-4C376E15D1D9}" type="datetimeFigureOut">
               <a:rPr lang="vi-VN" smtClean="0"/>
-              <a:t>03/01/2020</a:t>
+              <a:pPr/>
+              <a:t>07/06/2020</a:t>
             </a:fld>
             <a:endParaRPr lang="vi-VN"/>
           </a:p>
@@ -1815,6 +1828,7 @@
           <a:p>
             <a:fld id="{503F48C3-1B48-47E2-9464-460090429356}" type="slidenum">
               <a:rPr lang="vi-VN" smtClean="0"/>
+              <a:pPr/>
               <a:t>‹#›</a:t>
             </a:fld>
             <a:endParaRPr lang="vi-VN"/>
@@ -1824,7 +1838,7 @@
     </p:spTree>
     <p:extLst>
       <p:ext uri="{BB962C8B-B14F-4D97-AF65-F5344CB8AC3E}">
-        <p14:creationId xmlns:p14="http://schemas.microsoft.com/office/powerpoint/2010/main" val="4149908389"/>
+        <p14:creationId xmlns:p14="http://schemas.microsoft.com/office/powerpoint/2010/main" xmlns="" val="4149908389"/>
       </p:ext>
     </p:extLst>
   </p:cSld>
@@ -1891,7 +1905,8 @@
           <a:p>
             <a:fld id="{5316F74B-F80F-4EE3-9641-4C376E15D1D9}" type="datetimeFigureOut">
               <a:rPr lang="vi-VN" smtClean="0"/>
-              <a:t>03/01/2020</a:t>
+              <a:pPr/>
+              <a:t>07/06/2020</a:t>
             </a:fld>
             <a:endParaRPr lang="vi-VN"/>
           </a:p>
@@ -1933,6 +1948,7 @@
           <a:p>
             <a:fld id="{503F48C3-1B48-47E2-9464-460090429356}" type="slidenum">
               <a:rPr lang="vi-VN" smtClean="0"/>
+              <a:pPr/>
               <a:t>‹#›</a:t>
             </a:fld>
             <a:endParaRPr lang="vi-VN"/>
@@ -1942,7 +1958,7 @@
     </p:spTree>
     <p:extLst>
       <p:ext uri="{BB962C8B-B14F-4D97-AF65-F5344CB8AC3E}">
-        <p14:creationId xmlns:p14="http://schemas.microsoft.com/office/powerpoint/2010/main" val="3019889915"/>
+        <p14:creationId xmlns:p14="http://schemas.microsoft.com/office/powerpoint/2010/main" xmlns="" val="3019889915"/>
       </p:ext>
     </p:extLst>
   </p:cSld>
@@ -1986,7 +2002,8 @@
           <a:p>
             <a:fld id="{5316F74B-F80F-4EE3-9641-4C376E15D1D9}" type="datetimeFigureOut">
               <a:rPr lang="vi-VN" smtClean="0"/>
-              <a:t>03/01/2020</a:t>
+              <a:pPr/>
+              <a:t>07/06/2020</a:t>
             </a:fld>
             <a:endParaRPr lang="vi-VN"/>
           </a:p>
@@ -2028,6 +2045,7 @@
           <a:p>
             <a:fld id="{503F48C3-1B48-47E2-9464-460090429356}" type="slidenum">
               <a:rPr lang="vi-VN" smtClean="0"/>
+              <a:pPr/>
               <a:t>‹#›</a:t>
             </a:fld>
             <a:endParaRPr lang="vi-VN"/>
@@ -2037,7 +2055,7 @@
     </p:spTree>
     <p:extLst>
       <p:ext uri="{BB962C8B-B14F-4D97-AF65-F5344CB8AC3E}">
-        <p14:creationId xmlns:p14="http://schemas.microsoft.com/office/powerpoint/2010/main" val="3183893286"/>
+        <p14:creationId xmlns:p14="http://schemas.microsoft.com/office/powerpoint/2010/main" xmlns="" val="3183893286"/>
       </p:ext>
     </p:extLst>
   </p:cSld>
@@ -2263,7 +2281,8 @@
           <a:p>
             <a:fld id="{5316F74B-F80F-4EE3-9641-4C376E15D1D9}" type="datetimeFigureOut">
               <a:rPr lang="vi-VN" smtClean="0"/>
-              <a:t>03/01/2020</a:t>
+              <a:pPr/>
+              <a:t>07/06/2020</a:t>
             </a:fld>
             <a:endParaRPr lang="vi-VN"/>
           </a:p>
@@ -2305,6 +2324,7 @@
           <a:p>
             <a:fld id="{503F48C3-1B48-47E2-9464-460090429356}" type="slidenum">
               <a:rPr lang="vi-VN" smtClean="0"/>
+              <a:pPr/>
               <a:t>‹#›</a:t>
             </a:fld>
             <a:endParaRPr lang="vi-VN"/>
@@ -2314,7 +2334,7 @@
     </p:spTree>
     <p:extLst>
       <p:ext uri="{BB962C8B-B14F-4D97-AF65-F5344CB8AC3E}">
-        <p14:creationId xmlns:p14="http://schemas.microsoft.com/office/powerpoint/2010/main" val="2173186705"/>
+        <p14:creationId xmlns:p14="http://schemas.microsoft.com/office/powerpoint/2010/main" xmlns="" val="2173186705"/>
       </p:ext>
     </p:extLst>
   </p:cSld>
@@ -2520,7 +2540,8 @@
           <a:p>
             <a:fld id="{5316F74B-F80F-4EE3-9641-4C376E15D1D9}" type="datetimeFigureOut">
               <a:rPr lang="vi-VN" smtClean="0"/>
-              <a:t>03/01/2020</a:t>
+              <a:pPr/>
+              <a:t>07/06/2020</a:t>
             </a:fld>
             <a:endParaRPr lang="vi-VN"/>
           </a:p>
@@ -2562,6 +2583,7 @@
           <a:p>
             <a:fld id="{503F48C3-1B48-47E2-9464-460090429356}" type="slidenum">
               <a:rPr lang="vi-VN" smtClean="0"/>
+              <a:pPr/>
               <a:t>‹#›</a:t>
             </a:fld>
             <a:endParaRPr lang="vi-VN"/>
@@ -2571,7 +2593,7 @@
     </p:spTree>
     <p:extLst>
       <p:ext uri="{BB962C8B-B14F-4D97-AF65-F5344CB8AC3E}">
-        <p14:creationId xmlns:p14="http://schemas.microsoft.com/office/powerpoint/2010/main" val="485553713"/>
+        <p14:creationId xmlns:p14="http://schemas.microsoft.com/office/powerpoint/2010/main" xmlns="" val="485553713"/>
       </p:ext>
     </p:extLst>
   </p:cSld>
@@ -2738,7 +2760,8 @@
           <a:p>
             <a:fld id="{5316F74B-F80F-4EE3-9641-4C376E15D1D9}" type="datetimeFigureOut">
               <a:rPr lang="vi-VN" smtClean="0"/>
-              <a:t>03/01/2020</a:t>
+              <a:pPr/>
+              <a:t>07/06/2020</a:t>
             </a:fld>
             <a:endParaRPr lang="vi-VN"/>
           </a:p>
@@ -2816,6 +2839,7 @@
           <a:p>
             <a:fld id="{503F48C3-1B48-47E2-9464-460090429356}" type="slidenum">
               <a:rPr lang="vi-VN" smtClean="0"/>
+              <a:pPr/>
               <a:t>‹#›</a:t>
             </a:fld>
             <a:endParaRPr lang="vi-VN"/>
@@ -2825,7 +2849,7 @@
     </p:spTree>
     <p:extLst>
       <p:ext uri="{BB962C8B-B14F-4D97-AF65-F5344CB8AC3E}">
-        <p14:creationId xmlns:p14="http://schemas.microsoft.com/office/powerpoint/2010/main" val="1129304029"/>
+        <p14:creationId xmlns:p14="http://schemas.microsoft.com/office/powerpoint/2010/main" xmlns="" val="1129304029"/>
       </p:ext>
     </p:extLst>
   </p:cSld>
@@ -3183,37 +3207,7 @@
                 <a:latin typeface="Microsoft JhengHei" pitchFamily="34" charset="-120"/>
                 <a:ea typeface="Microsoft JhengHei" pitchFamily="34" charset="-120"/>
               </a:rPr>
-              <a:t>這是天父世</a:t>
-            </a:r>
-            <a:r>
-              <a:rPr lang="zh-CN" altLang="en-US" sz="6400" b="1" dirty="0">
-                <a:solidFill>
-                  <a:srgbClr val="002060"/>
-                </a:solidFill>
-                <a:latin typeface="Microsoft JhengHei" pitchFamily="34" charset="-120"/>
-                <a:ea typeface="Microsoft JhengHei" pitchFamily="34" charset="-120"/>
-              </a:rPr>
-              <a:t>界</a:t>
-            </a:r>
-            <a:r>
-              <a:rPr lang="zh-CN" altLang="en-US" sz="6400" b="1" dirty="0">
-                <a:solidFill>
-                  <a:srgbClr val="002060"/>
-                </a:solidFill>
-                <a:latin typeface="Microsoft JhengHei" pitchFamily="34" charset="-120"/>
-                <a:ea typeface="Microsoft JhengHei" pitchFamily="34" charset="-120"/>
-              </a:rPr>
-              <a:t> </a:t>
-            </a:r>
-            <a:r>
-              <a:rPr lang="zh-CN" altLang="en-US" sz="6400" b="1" dirty="0">
-                <a:solidFill>
-                  <a:srgbClr val="002060"/>
-                </a:solidFill>
-                <a:latin typeface="Microsoft JhengHei" pitchFamily="34" charset="-120"/>
-                <a:ea typeface="Microsoft JhengHei" pitchFamily="34" charset="-120"/>
-              </a:rPr>
-              <a:t> </a:t>
+              <a:t>這是天父世界  </a:t>
             </a:r>
             <a:endParaRPr lang="en-US" altLang="zh-CN" sz="6400" b="1" dirty="0">
               <a:solidFill>
@@ -3235,27 +3229,7 @@
                 <a:latin typeface="Microsoft JhengHei" pitchFamily="34" charset="-120"/>
                 <a:ea typeface="Microsoft JhengHei" pitchFamily="34" charset="-120"/>
               </a:rPr>
-              <a:t>當</a:t>
-            </a:r>
-            <a:r>
-              <a:rPr lang="zh-CN" altLang="en-US" sz="6400" b="1" dirty="0">
-                <a:solidFill>
-                  <a:srgbClr val="002060"/>
-                </a:solidFill>
-                <a:latin typeface="Microsoft JhengHei" pitchFamily="34" charset="-120"/>
-                <a:ea typeface="Microsoft JhengHei" pitchFamily="34" charset="-120"/>
-              </a:rPr>
-              <a:t>我側耳傾</a:t>
-            </a:r>
-            <a:r>
-              <a:rPr lang="zh-CN" altLang="en-US" sz="6400" b="1" dirty="0">
-                <a:solidFill>
-                  <a:srgbClr val="002060"/>
-                </a:solidFill>
-                <a:latin typeface="Microsoft JhengHei" pitchFamily="34" charset="-120"/>
-                <a:ea typeface="Microsoft JhengHei" pitchFamily="34" charset="-120"/>
-              </a:rPr>
-              <a:t>聽</a:t>
+              <a:t>當我側耳傾聽</a:t>
             </a:r>
             <a:endParaRPr lang="en-US" sz="6400" dirty="0">
               <a:solidFill>
@@ -3270,14 +3244,14 @@
               <a:buNone/>
             </a:pPr>
             <a:r>
-              <a:rPr lang="zh-CN" altLang="en-US" sz="6400" b="1" dirty="0">
+              <a:rPr lang="zh-CN" altLang="en-US" sz="6400" b="1" dirty="0" smtClean="0">
                 <a:solidFill>
                   <a:srgbClr val="002060"/>
                 </a:solidFill>
                 <a:latin typeface="Microsoft JhengHei" pitchFamily="34" charset="-120"/>
                 <a:ea typeface="Microsoft JhengHei" pitchFamily="34" charset="-120"/>
               </a:rPr>
-              <a:t>宇宙唱</a:t>
+              <a:t>宇宙歌唱  </a:t>
             </a:r>
             <a:r>
               <a:rPr lang="zh-CN" altLang="en-US" sz="6400" b="1" dirty="0">
@@ -3287,27 +3261,7 @@
                 <a:latin typeface="Microsoft JhengHei" pitchFamily="34" charset="-120"/>
                 <a:ea typeface="Microsoft JhengHei" pitchFamily="34" charset="-120"/>
               </a:rPr>
-              <a:t>歌  萬</a:t>
-            </a:r>
-            <a:r>
-              <a:rPr lang="zh-CN" altLang="en-US" sz="6400" b="1" dirty="0">
-                <a:solidFill>
-                  <a:srgbClr val="002060"/>
-                </a:solidFill>
-                <a:latin typeface="Microsoft JhengHei" pitchFamily="34" charset="-120"/>
-                <a:ea typeface="Microsoft JhengHei" pitchFamily="34" charset="-120"/>
-              </a:rPr>
-              <a:t>物響</a:t>
-            </a:r>
-            <a:r>
-              <a:rPr lang="zh-CN" altLang="en-US" sz="6400" b="1" dirty="0">
-                <a:solidFill>
-                  <a:srgbClr val="002060"/>
-                </a:solidFill>
-                <a:latin typeface="Microsoft JhengHei" pitchFamily="34" charset="-120"/>
-                <a:ea typeface="Microsoft JhengHei" pitchFamily="34" charset="-120"/>
-              </a:rPr>
-              <a:t>應</a:t>
+              <a:t>萬物響應</a:t>
             </a:r>
             <a:endParaRPr lang="en-US" sz="6400" dirty="0">
               <a:solidFill>
@@ -3344,13 +3298,20 @@
     </p:spTree>
     <p:extLst>
       <p:ext uri="{BB962C8B-B14F-4D97-AF65-F5344CB8AC3E}">
-        <p14:creationId xmlns:p14="http://schemas.microsoft.com/office/powerpoint/2010/main" val="2193394701"/>
+        <p14:creationId xmlns:p14="http://schemas.microsoft.com/office/powerpoint/2010/main" xmlns="" val="2193394701"/>
       </p:ext>
     </p:extLst>
   </p:cSld>
   <p:clrMapOvr>
     <a:masterClrMapping/>
   </p:clrMapOvr>
+  <p:timing>
+    <p:tnLst>
+      <p:par>
+        <p:cTn id="1" dur="indefinite" restart="never" nodeType="tmRoot"/>
+      </p:par>
+    </p:tnLst>
+  </p:timing>
 </p:sld>
 </file>
 
@@ -3517,7 +3478,7 @@
     </p:spTree>
     <p:extLst>
       <p:ext uri="{BB962C8B-B14F-4D97-AF65-F5344CB8AC3E}">
-        <p14:creationId xmlns:p14="http://schemas.microsoft.com/office/powerpoint/2010/main" val="732516101"/>
+        <p14:creationId xmlns:p14="http://schemas.microsoft.com/office/powerpoint/2010/main" xmlns="" val="732516101"/>
       </p:ext>
     </p:extLst>
   </p:cSld>
@@ -3658,17 +3619,7 @@
                 <a:latin typeface="Microsoft JhengHei" pitchFamily="34" charset="-120"/>
                 <a:ea typeface="Microsoft JhengHei" pitchFamily="34" charset="-120"/>
               </a:rPr>
-              <a:t>樹木花草</a:t>
-            </a:r>
-            <a:r>
-              <a:rPr lang="zh-CN" altLang="en-US" sz="6400" b="1" dirty="0">
-                <a:solidFill>
-                  <a:srgbClr val="002060"/>
-                </a:solidFill>
-                <a:latin typeface="Microsoft JhengHei" pitchFamily="34" charset="-120"/>
-                <a:ea typeface="Microsoft JhengHei" pitchFamily="34" charset="-120"/>
-              </a:rPr>
-              <a:t>藍天    海</a:t>
+              <a:t>樹木花草藍天    海</a:t>
             </a:r>
             <a:endParaRPr lang="en-US" sz="6400" b="1" dirty="0">
               <a:solidFill>
@@ -3747,13 +3698,20 @@
     </p:spTree>
     <p:extLst>
       <p:ext uri="{BB962C8B-B14F-4D97-AF65-F5344CB8AC3E}">
-        <p14:creationId xmlns:p14="http://schemas.microsoft.com/office/powerpoint/2010/main" val="1867662582"/>
+        <p14:creationId xmlns:p14="http://schemas.microsoft.com/office/powerpoint/2010/main" xmlns="" val="1867662582"/>
       </p:ext>
     </p:extLst>
   </p:cSld>
   <p:clrMapOvr>
     <a:masterClrMapping/>
   </p:clrMapOvr>
+  <p:timing>
+    <p:tnLst>
+      <p:par>
+        <p:cTn id="1" dur="indefinite" restart="never" nodeType="tmRoot"/>
+      </p:par>
+    </p:tnLst>
+  </p:timing>
 </p:sld>
 </file>
 
@@ -3925,13 +3883,20 @@
     </p:spTree>
     <p:extLst>
       <p:ext uri="{BB962C8B-B14F-4D97-AF65-F5344CB8AC3E}">
-        <p14:creationId xmlns:p14="http://schemas.microsoft.com/office/powerpoint/2010/main" val="1109544916"/>
+        <p14:creationId xmlns:p14="http://schemas.microsoft.com/office/powerpoint/2010/main" xmlns="" val="1109544916"/>
       </p:ext>
     </p:extLst>
   </p:cSld>
   <p:clrMapOvr>
     <a:masterClrMapping/>
   </p:clrMapOvr>
+  <p:timing>
+    <p:tnLst>
+      <p:par>
+        <p:cTn id="1" dur="indefinite" restart="never" nodeType="tmRoot"/>
+      </p:par>
+    </p:tnLst>
+  </p:timing>
 </p:sld>
 </file>
 
@@ -4103,13 +4068,20 @@
     </p:spTree>
     <p:extLst>
       <p:ext uri="{BB962C8B-B14F-4D97-AF65-F5344CB8AC3E}">
-        <p14:creationId xmlns:p14="http://schemas.microsoft.com/office/powerpoint/2010/main" val="101743869"/>
+        <p14:creationId xmlns:p14="http://schemas.microsoft.com/office/powerpoint/2010/main" xmlns="" val="101743869"/>
       </p:ext>
     </p:extLst>
   </p:cSld>
   <p:clrMapOvr>
     <a:masterClrMapping/>
   </p:clrMapOvr>
+  <p:timing>
+    <p:tnLst>
+      <p:par>
+        <p:cTn id="1" dur="indefinite" restart="never" nodeType="tmRoot"/>
+      </p:par>
+    </p:tnLst>
+  </p:timing>
 </p:sld>
 </file>
 
@@ -4281,13 +4253,20 @@
     </p:spTree>
     <p:extLst>
       <p:ext uri="{BB962C8B-B14F-4D97-AF65-F5344CB8AC3E}">
-        <p14:creationId xmlns:p14="http://schemas.microsoft.com/office/powerpoint/2010/main" val="2617156390"/>
+        <p14:creationId xmlns:p14="http://schemas.microsoft.com/office/powerpoint/2010/main" xmlns="" val="2617156390"/>
       </p:ext>
     </p:extLst>
   </p:cSld>
   <p:clrMapOvr>
     <a:masterClrMapping/>
   </p:clrMapOvr>
+  <p:timing>
+    <p:tnLst>
+      <p:par>
+        <p:cTn id="1" dur="indefinite" restart="never" nodeType="tmRoot"/>
+      </p:par>
+    </p:tnLst>
+  </p:timing>
 </p:sld>
 </file>
 
@@ -4459,13 +4438,20 @@
     </p:spTree>
     <p:extLst>
       <p:ext uri="{BB962C8B-B14F-4D97-AF65-F5344CB8AC3E}">
-        <p14:creationId xmlns:p14="http://schemas.microsoft.com/office/powerpoint/2010/main" val="28345793"/>
+        <p14:creationId xmlns:p14="http://schemas.microsoft.com/office/powerpoint/2010/main" xmlns="" val="28345793"/>
       </p:ext>
     </p:extLst>
   </p:cSld>
   <p:clrMapOvr>
     <a:masterClrMapping/>
   </p:clrMapOvr>
+  <p:timing>
+    <p:tnLst>
+      <p:par>
+        <p:cTn id="1" dur="indefinite" restart="never" nodeType="tmRoot"/>
+      </p:par>
+    </p:tnLst>
+  </p:timing>
 </p:sld>
 </file>
 
@@ -4617,17 +4603,7 @@
                 <a:latin typeface="Microsoft JhengHei" pitchFamily="34" charset="-120"/>
                 <a:ea typeface="Microsoft JhengHei" pitchFamily="34" charset="-120"/>
               </a:rPr>
-              <a:t>祂什麼都知</a:t>
-            </a:r>
-            <a:r>
-              <a:rPr lang="zh-CN" altLang="en-US" sz="6400" b="1" dirty="0">
-                <a:solidFill>
-                  <a:srgbClr val="660033"/>
-                </a:solidFill>
-                <a:latin typeface="Microsoft JhengHei" pitchFamily="34" charset="-120"/>
-                <a:ea typeface="Microsoft JhengHei" pitchFamily="34" charset="-120"/>
-              </a:rPr>
-              <a:t>道</a:t>
+              <a:t>祂什麼都知道</a:t>
             </a:r>
             <a:endParaRPr lang="en-US" altLang="zh-CN" sz="6400" b="1" dirty="0">
               <a:solidFill>
@@ -4642,13 +4618,20 @@
     </p:spTree>
     <p:extLst>
       <p:ext uri="{BB962C8B-B14F-4D97-AF65-F5344CB8AC3E}">
-        <p14:creationId xmlns:p14="http://schemas.microsoft.com/office/powerpoint/2010/main" val="1510838989"/>
+        <p14:creationId xmlns:p14="http://schemas.microsoft.com/office/powerpoint/2010/main" xmlns="" val="1510838989"/>
       </p:ext>
     </p:extLst>
   </p:cSld>
   <p:clrMapOvr>
     <a:masterClrMapping/>
   </p:clrMapOvr>
+  <p:timing>
+    <p:tnLst>
+      <p:par>
+        <p:cTn id="1" dur="indefinite" restart="never" nodeType="tmRoot"/>
+      </p:par>
+    </p:tnLst>
+  </p:timing>
 </p:sld>
 </file>
 
@@ -4793,32 +4776,15 @@
                 <a:latin typeface="Microsoft JhengHei" pitchFamily="34" charset="-120"/>
                 <a:ea typeface="Microsoft JhengHei" pitchFamily="34" charset="-120"/>
               </a:rPr>
-              <a:t>主耶穌都聽</a:t>
-            </a:r>
-            <a:r>
-              <a:rPr lang="zh-CN" altLang="en-US" sz="6400" b="1" dirty="0">
-                <a:solidFill>
-                  <a:srgbClr val="660033"/>
-                </a:solidFill>
-                <a:latin typeface="Microsoft JhengHei" pitchFamily="34" charset="-120"/>
-                <a:ea typeface="Microsoft JhengHei" pitchFamily="34" charset="-120"/>
-              </a:rPr>
-              <a:t>到</a:t>
-            </a:r>
-            <a:endParaRPr lang="zh-CN" altLang="en-US" sz="6400" b="1" dirty="0">
-              <a:solidFill>
-                <a:srgbClr val="660033"/>
-              </a:solidFill>
-              <a:latin typeface="Microsoft JhengHei" pitchFamily="34" charset="-120"/>
-              <a:ea typeface="Microsoft JhengHei" pitchFamily="34" charset="-120"/>
-            </a:endParaRPr>
+              <a:t>主耶穌都聽到</a:t>
+            </a:r>
           </a:p>
         </p:txBody>
       </p:sp>
     </p:spTree>
     <p:extLst>
       <p:ext uri="{BB962C8B-B14F-4D97-AF65-F5344CB8AC3E}">
-        <p14:creationId xmlns:p14="http://schemas.microsoft.com/office/powerpoint/2010/main" val="543781271"/>
+        <p14:creationId xmlns:p14="http://schemas.microsoft.com/office/powerpoint/2010/main" xmlns="" val="543781271"/>
       </p:ext>
     </p:extLst>
   </p:cSld>
@@ -4976,17 +4942,7 @@
                 <a:latin typeface="Microsoft JhengHei" pitchFamily="34" charset="-120"/>
                 <a:ea typeface="Microsoft JhengHei" pitchFamily="34" charset="-120"/>
               </a:rPr>
-              <a:t>祂什麼都知</a:t>
-            </a:r>
-            <a:r>
-              <a:rPr lang="zh-CN" altLang="en-US" sz="6400" b="1" dirty="0">
-                <a:solidFill>
-                  <a:srgbClr val="660033"/>
-                </a:solidFill>
-                <a:latin typeface="Microsoft JhengHei" pitchFamily="34" charset="-120"/>
-                <a:ea typeface="Microsoft JhengHei" pitchFamily="34" charset="-120"/>
-              </a:rPr>
-              <a:t>道</a:t>
+              <a:t>祂什麼都知道</a:t>
             </a:r>
             <a:endParaRPr lang="en-US" altLang="zh-CN" sz="6400" b="1" dirty="0">
               <a:solidFill>
@@ -5001,7 +4957,7 @@
     </p:spTree>
     <p:extLst>
       <p:ext uri="{BB962C8B-B14F-4D97-AF65-F5344CB8AC3E}">
-        <p14:creationId xmlns:p14="http://schemas.microsoft.com/office/powerpoint/2010/main" val="2600024296"/>
+        <p14:creationId xmlns:p14="http://schemas.microsoft.com/office/powerpoint/2010/main" xmlns="" val="2600024296"/>
       </p:ext>
     </p:extLst>
   </p:cSld>
@@ -5293,7 +5249,7 @@
   <a:extraClrSchemeLst/>
   <a:extLst>
     <a:ext uri="{05A4C25C-085E-4340-85A3-A5531E510DB2}">
-      <thm15:themeFamily xmlns:thm15="http://schemas.microsoft.com/office/thememl/2012/main" name="Theme1" id="{AFC7C034-021A-479F-A5B0-F4AE2AC2A6F8}" vid="{E4B01A5C-7C0B-4AB8-8973-047186F18E30}"/>
+      <thm15:themeFamily xmlns:thm15="http://schemas.microsoft.com/office/thememl/2012/main" xmlns="" name="Theme1" id="{AFC7C034-021A-479F-A5B0-F4AE2AC2A6F8}" vid="{E4B01A5C-7C0B-4AB8-8973-047186F18E30}"/>
     </a:ext>
   </a:extLst>
 </a:theme>

--- a/2020/6月.pptx
+++ b/2020/6月.pptx
@@ -15,6 +15,15 @@
     <p:sldId id="264" r:id="rId9"/>
     <p:sldId id="265" r:id="rId10"/>
     <p:sldId id="266" r:id="rId11"/>
+    <p:sldId id="267" r:id="rId12"/>
+    <p:sldId id="268" r:id="rId13"/>
+    <p:sldId id="269" r:id="rId14"/>
+    <p:sldId id="270" r:id="rId15"/>
+    <p:sldId id="271" r:id="rId16"/>
+    <p:sldId id="272" r:id="rId17"/>
+    <p:sldId id="273" r:id="rId18"/>
+    <p:sldId id="274" r:id="rId19"/>
+    <p:sldId id="275" r:id="rId20"/>
   </p:sldIdLst>
   <p:sldSz cx="12192000" cy="6858000"/>
   <p:notesSz cx="6858000" cy="9144000"/>
@@ -298,7 +307,7 @@
             <a:fld id="{5316F74B-F80F-4EE3-9641-4C376E15D1D9}" type="datetimeFigureOut">
               <a:rPr lang="vi-VN" smtClean="0"/>
               <a:pPr/>
-              <a:t>07/06/2020</a:t>
+              <a:t>21/06/2020</a:t>
             </a:fld>
             <a:endParaRPr lang="vi-VN"/>
           </a:p>
@@ -350,7 +359,7 @@
     </p:spTree>
     <p:extLst>
       <p:ext uri="{BB962C8B-B14F-4D97-AF65-F5344CB8AC3E}">
-        <p14:creationId xmlns:p14="http://schemas.microsoft.com/office/powerpoint/2010/main" xmlns="" val="1697009686"/>
+        <p14:creationId xmlns="" xmlns:p14="http://schemas.microsoft.com/office/powerpoint/2010/main" val="1697009686"/>
       </p:ext>
     </p:extLst>
   </p:cSld>
@@ -470,7 +479,7 @@
             <a:fld id="{5316F74B-F80F-4EE3-9641-4C376E15D1D9}" type="datetimeFigureOut">
               <a:rPr lang="vi-VN" smtClean="0"/>
               <a:pPr/>
-              <a:t>07/06/2020</a:t>
+              <a:t>21/06/2020</a:t>
             </a:fld>
             <a:endParaRPr lang="vi-VN"/>
           </a:p>
@@ -522,7 +531,7 @@
     </p:spTree>
     <p:extLst>
       <p:ext uri="{BB962C8B-B14F-4D97-AF65-F5344CB8AC3E}">
-        <p14:creationId xmlns:p14="http://schemas.microsoft.com/office/powerpoint/2010/main" xmlns="" val="2502189983"/>
+        <p14:creationId xmlns="" xmlns:p14="http://schemas.microsoft.com/office/powerpoint/2010/main" val="2502189983"/>
       </p:ext>
     </p:extLst>
   </p:cSld>
@@ -652,7 +661,7 @@
             <a:fld id="{5316F74B-F80F-4EE3-9641-4C376E15D1D9}" type="datetimeFigureOut">
               <a:rPr lang="vi-VN" smtClean="0"/>
               <a:pPr/>
-              <a:t>07/06/2020</a:t>
+              <a:t>21/06/2020</a:t>
             </a:fld>
             <a:endParaRPr lang="vi-VN"/>
           </a:p>
@@ -704,7 +713,7 @@
     </p:spTree>
     <p:extLst>
       <p:ext uri="{BB962C8B-B14F-4D97-AF65-F5344CB8AC3E}">
-        <p14:creationId xmlns:p14="http://schemas.microsoft.com/office/powerpoint/2010/main" xmlns="" val="3024094188"/>
+        <p14:creationId xmlns="" xmlns:p14="http://schemas.microsoft.com/office/powerpoint/2010/main" val="3024094188"/>
       </p:ext>
     </p:extLst>
   </p:cSld>
@@ -824,7 +833,7 @@
             <a:fld id="{5316F74B-F80F-4EE3-9641-4C376E15D1D9}" type="datetimeFigureOut">
               <a:rPr lang="vi-VN" smtClean="0"/>
               <a:pPr/>
-              <a:t>07/06/2020</a:t>
+              <a:t>21/06/2020</a:t>
             </a:fld>
             <a:endParaRPr lang="vi-VN"/>
           </a:p>
@@ -876,7 +885,7 @@
     </p:spTree>
     <p:extLst>
       <p:ext uri="{BB962C8B-B14F-4D97-AF65-F5344CB8AC3E}">
-        <p14:creationId xmlns:p14="http://schemas.microsoft.com/office/powerpoint/2010/main" xmlns="" val="2462975785"/>
+        <p14:creationId xmlns="" xmlns:p14="http://schemas.microsoft.com/office/powerpoint/2010/main" val="2462975785"/>
       </p:ext>
     </p:extLst>
   </p:cSld>
@@ -1072,7 +1081,7 @@
             <a:fld id="{5316F74B-F80F-4EE3-9641-4C376E15D1D9}" type="datetimeFigureOut">
               <a:rPr lang="vi-VN" smtClean="0"/>
               <a:pPr/>
-              <a:t>07/06/2020</a:t>
+              <a:t>21/06/2020</a:t>
             </a:fld>
             <a:endParaRPr lang="vi-VN"/>
           </a:p>
@@ -1124,7 +1133,7 @@
     </p:spTree>
     <p:extLst>
       <p:ext uri="{BB962C8B-B14F-4D97-AF65-F5344CB8AC3E}">
-        <p14:creationId xmlns:p14="http://schemas.microsoft.com/office/powerpoint/2010/main" xmlns="" val="1792755390"/>
+        <p14:creationId xmlns="" xmlns:p14="http://schemas.microsoft.com/office/powerpoint/2010/main" val="1792755390"/>
       </p:ext>
     </p:extLst>
   </p:cSld>
@@ -1362,7 +1371,7 @@
             <a:fld id="{5316F74B-F80F-4EE3-9641-4C376E15D1D9}" type="datetimeFigureOut">
               <a:rPr lang="vi-VN" smtClean="0"/>
               <a:pPr/>
-              <a:t>07/06/2020</a:t>
+              <a:t>21/06/2020</a:t>
             </a:fld>
             <a:endParaRPr lang="vi-VN"/>
           </a:p>
@@ -1414,7 +1423,7 @@
     </p:spTree>
     <p:extLst>
       <p:ext uri="{BB962C8B-B14F-4D97-AF65-F5344CB8AC3E}">
-        <p14:creationId xmlns:p14="http://schemas.microsoft.com/office/powerpoint/2010/main" xmlns="" val="2645826871"/>
+        <p14:creationId xmlns="" xmlns:p14="http://schemas.microsoft.com/office/powerpoint/2010/main" val="2645826871"/>
       </p:ext>
     </p:extLst>
   </p:cSld>
@@ -1786,7 +1795,7 @@
             <a:fld id="{5316F74B-F80F-4EE3-9641-4C376E15D1D9}" type="datetimeFigureOut">
               <a:rPr lang="vi-VN" smtClean="0"/>
               <a:pPr/>
-              <a:t>07/06/2020</a:t>
+              <a:t>21/06/2020</a:t>
             </a:fld>
             <a:endParaRPr lang="vi-VN"/>
           </a:p>
@@ -1838,7 +1847,7 @@
     </p:spTree>
     <p:extLst>
       <p:ext uri="{BB962C8B-B14F-4D97-AF65-F5344CB8AC3E}">
-        <p14:creationId xmlns:p14="http://schemas.microsoft.com/office/powerpoint/2010/main" xmlns="" val="4149908389"/>
+        <p14:creationId xmlns="" xmlns:p14="http://schemas.microsoft.com/office/powerpoint/2010/main" val="4149908389"/>
       </p:ext>
     </p:extLst>
   </p:cSld>
@@ -1906,7 +1915,7 @@
             <a:fld id="{5316F74B-F80F-4EE3-9641-4C376E15D1D9}" type="datetimeFigureOut">
               <a:rPr lang="vi-VN" smtClean="0"/>
               <a:pPr/>
-              <a:t>07/06/2020</a:t>
+              <a:t>21/06/2020</a:t>
             </a:fld>
             <a:endParaRPr lang="vi-VN"/>
           </a:p>
@@ -1958,7 +1967,7 @@
     </p:spTree>
     <p:extLst>
       <p:ext uri="{BB962C8B-B14F-4D97-AF65-F5344CB8AC3E}">
-        <p14:creationId xmlns:p14="http://schemas.microsoft.com/office/powerpoint/2010/main" xmlns="" val="3019889915"/>
+        <p14:creationId xmlns="" xmlns:p14="http://schemas.microsoft.com/office/powerpoint/2010/main" val="3019889915"/>
       </p:ext>
     </p:extLst>
   </p:cSld>
@@ -2003,7 +2012,7 @@
             <a:fld id="{5316F74B-F80F-4EE3-9641-4C376E15D1D9}" type="datetimeFigureOut">
               <a:rPr lang="vi-VN" smtClean="0"/>
               <a:pPr/>
-              <a:t>07/06/2020</a:t>
+              <a:t>21/06/2020</a:t>
             </a:fld>
             <a:endParaRPr lang="vi-VN"/>
           </a:p>
@@ -2055,7 +2064,7 @@
     </p:spTree>
     <p:extLst>
       <p:ext uri="{BB962C8B-B14F-4D97-AF65-F5344CB8AC3E}">
-        <p14:creationId xmlns:p14="http://schemas.microsoft.com/office/powerpoint/2010/main" xmlns="" val="3183893286"/>
+        <p14:creationId xmlns="" xmlns:p14="http://schemas.microsoft.com/office/powerpoint/2010/main" val="3183893286"/>
       </p:ext>
     </p:extLst>
   </p:cSld>
@@ -2282,7 +2291,7 @@
             <a:fld id="{5316F74B-F80F-4EE3-9641-4C376E15D1D9}" type="datetimeFigureOut">
               <a:rPr lang="vi-VN" smtClean="0"/>
               <a:pPr/>
-              <a:t>07/06/2020</a:t>
+              <a:t>21/06/2020</a:t>
             </a:fld>
             <a:endParaRPr lang="vi-VN"/>
           </a:p>
@@ -2334,7 +2343,7 @@
     </p:spTree>
     <p:extLst>
       <p:ext uri="{BB962C8B-B14F-4D97-AF65-F5344CB8AC3E}">
-        <p14:creationId xmlns:p14="http://schemas.microsoft.com/office/powerpoint/2010/main" xmlns="" val="2173186705"/>
+        <p14:creationId xmlns="" xmlns:p14="http://schemas.microsoft.com/office/powerpoint/2010/main" val="2173186705"/>
       </p:ext>
     </p:extLst>
   </p:cSld>
@@ -2541,7 +2550,7 @@
             <a:fld id="{5316F74B-F80F-4EE3-9641-4C376E15D1D9}" type="datetimeFigureOut">
               <a:rPr lang="vi-VN" smtClean="0"/>
               <a:pPr/>
-              <a:t>07/06/2020</a:t>
+              <a:t>21/06/2020</a:t>
             </a:fld>
             <a:endParaRPr lang="vi-VN"/>
           </a:p>
@@ -2593,7 +2602,7 @@
     </p:spTree>
     <p:extLst>
       <p:ext uri="{BB962C8B-B14F-4D97-AF65-F5344CB8AC3E}">
-        <p14:creationId xmlns:p14="http://schemas.microsoft.com/office/powerpoint/2010/main" xmlns="" val="485553713"/>
+        <p14:creationId xmlns="" xmlns:p14="http://schemas.microsoft.com/office/powerpoint/2010/main" val="485553713"/>
       </p:ext>
     </p:extLst>
   </p:cSld>
@@ -2761,7 +2770,7 @@
             <a:fld id="{5316F74B-F80F-4EE3-9641-4C376E15D1D9}" type="datetimeFigureOut">
               <a:rPr lang="vi-VN" smtClean="0"/>
               <a:pPr/>
-              <a:t>07/06/2020</a:t>
+              <a:t>21/06/2020</a:t>
             </a:fld>
             <a:endParaRPr lang="vi-VN"/>
           </a:p>
@@ -2849,7 +2858,7 @@
     </p:spTree>
     <p:extLst>
       <p:ext uri="{BB962C8B-B14F-4D97-AF65-F5344CB8AC3E}">
-        <p14:creationId xmlns:p14="http://schemas.microsoft.com/office/powerpoint/2010/main" xmlns="" val="1129304029"/>
+        <p14:creationId xmlns="" xmlns:p14="http://schemas.microsoft.com/office/powerpoint/2010/main" val="1129304029"/>
       </p:ext>
     </p:extLst>
   </p:cSld>
@@ -3298,7 +3307,7 @@
     </p:spTree>
     <p:extLst>
       <p:ext uri="{BB962C8B-B14F-4D97-AF65-F5344CB8AC3E}">
-        <p14:creationId xmlns:p14="http://schemas.microsoft.com/office/powerpoint/2010/main" xmlns="" val="2193394701"/>
+        <p14:creationId xmlns="" xmlns:p14="http://schemas.microsoft.com/office/powerpoint/2010/main" val="2193394701"/>
       </p:ext>
     </p:extLst>
   </p:cSld>
@@ -3478,7 +3487,1758 @@
     </p:spTree>
     <p:extLst>
       <p:ext uri="{BB962C8B-B14F-4D97-AF65-F5344CB8AC3E}">
-        <p14:creationId xmlns:p14="http://schemas.microsoft.com/office/powerpoint/2010/main" xmlns="" val="732516101"/>
+        <p14:creationId xmlns="" xmlns:p14="http://schemas.microsoft.com/office/powerpoint/2010/main" val="732516101"/>
+      </p:ext>
+    </p:extLst>
+  </p:cSld>
+  <p:clrMapOvr>
+    <a:masterClrMapping/>
+  </p:clrMapOvr>
+</p:sld>
+</file>
+
+<file path=ppt/slides/slide11.xml><?xml version="1.0" encoding="utf-8"?>
+<p:sld xmlns:a="http://schemas.openxmlformats.org/drawingml/2006/main" xmlns:r="http://schemas.openxmlformats.org/officeDocument/2006/relationships" xmlns:p="http://schemas.openxmlformats.org/presentationml/2006/main">
+  <p:cSld>
+    <p:spTree>
+      <p:nvGrpSpPr>
+        <p:cNvPr id="1" name=""/>
+        <p:cNvGrpSpPr/>
+        <p:nvPr/>
+      </p:nvGrpSpPr>
+      <p:grpSpPr>
+        <a:xfrm>
+          <a:off x="0" y="0"/>
+          <a:ext cx="0" cy="0"/>
+          <a:chOff x="0" y="0"/>
+          <a:chExt cx="0" cy="0"/>
+        </a:xfrm>
+      </p:grpSpPr>
+      <p:sp>
+        <p:nvSpPr>
+          <p:cNvPr id="4" name="標題 3"/>
+          <p:cNvSpPr>
+            <a:spLocks noGrp="1"/>
+          </p:cNvSpPr>
+          <p:nvPr>
+            <p:ph type="title"/>
+          </p:nvPr>
+        </p:nvSpPr>
+        <p:spPr/>
+        <p:txBody>
+          <a:bodyPr>
+            <a:normAutofit/>
+          </a:bodyPr>
+          <a:lstStyle/>
+          <a:p>
+            <a:r>
+              <a:rPr lang="zh-TW" altLang="en-US" sz="4800" b="1" dirty="0">
+                <a:solidFill>
+                  <a:srgbClr val="000066"/>
+                </a:solidFill>
+                <a:latin typeface="微軟正黑體" pitchFamily="34" charset="-120"/>
+                <a:ea typeface="微軟正黑體" pitchFamily="34" charset="-120"/>
+              </a:rPr>
+              <a:t>爸媽愛我</a:t>
+            </a:r>
+          </a:p>
+        </p:txBody>
+      </p:sp>
+      <p:sp>
+        <p:nvSpPr>
+          <p:cNvPr id="5" name="內容版面配置區 4"/>
+          <p:cNvSpPr>
+            <a:spLocks noGrp="1"/>
+          </p:cNvSpPr>
+          <p:nvPr>
+            <p:ph idx="1"/>
+          </p:nvPr>
+        </p:nvSpPr>
+        <p:spPr/>
+        <p:txBody>
+          <a:bodyPr>
+            <a:normAutofit/>
+          </a:bodyPr>
+          <a:lstStyle/>
+          <a:p>
+            <a:pPr algn="ctr">
+              <a:buNone/>
+            </a:pPr>
+            <a:r>
+              <a:rPr lang="zh-TW" altLang="en-US" sz="5400" b="1" dirty="0">
+                <a:solidFill>
+                  <a:srgbClr val="000066"/>
+                </a:solidFill>
+                <a:latin typeface="微軟正黑體" pitchFamily="34" charset="-120"/>
+                <a:ea typeface="微軟正黑體" pitchFamily="34" charset="-120"/>
+              </a:rPr>
+              <a:t>我愛爸媽親切友善</a:t>
+            </a:r>
+            <a:endParaRPr lang="en-US" altLang="zh-TW" sz="5400" b="1" dirty="0">
+              <a:solidFill>
+                <a:srgbClr val="000066"/>
+              </a:solidFill>
+              <a:latin typeface="微軟正黑體" pitchFamily="34" charset="-120"/>
+              <a:ea typeface="微軟正黑體" pitchFamily="34" charset="-120"/>
+            </a:endParaRPr>
+          </a:p>
+          <a:p>
+            <a:pPr algn="ctr">
+              <a:buNone/>
+            </a:pPr>
+            <a:r>
+              <a:rPr lang="zh-TW" altLang="en-US" sz="5400" b="1" dirty="0">
+                <a:solidFill>
+                  <a:srgbClr val="000066"/>
+                </a:solidFill>
+                <a:latin typeface="微軟正黑體" pitchFamily="34" charset="-120"/>
+                <a:ea typeface="微軟正黑體" pitchFamily="34" charset="-120"/>
+              </a:rPr>
+              <a:t>勤奮工作不敷衍</a:t>
+            </a:r>
+            <a:endParaRPr lang="en-US" altLang="zh-TW" sz="5400" b="1" dirty="0">
+              <a:solidFill>
+                <a:srgbClr val="000066"/>
+              </a:solidFill>
+              <a:latin typeface="微軟正黑體" pitchFamily="34" charset="-120"/>
+              <a:ea typeface="微軟正黑體" pitchFamily="34" charset="-120"/>
+            </a:endParaRPr>
+          </a:p>
+          <a:p>
+            <a:pPr algn="ctr">
+              <a:buNone/>
+            </a:pPr>
+            <a:r>
+              <a:rPr lang="zh-TW" altLang="en-US" sz="5400" b="1" dirty="0">
+                <a:solidFill>
+                  <a:srgbClr val="000066"/>
+                </a:solidFill>
+                <a:latin typeface="微軟正黑體" pitchFamily="34" charset="-120"/>
+                <a:ea typeface="微軟正黑體" pitchFamily="34" charset="-120"/>
+              </a:rPr>
+              <a:t>教我功課給我引導</a:t>
+            </a:r>
+            <a:endParaRPr lang="en-US" altLang="zh-TW" sz="5400" b="1" dirty="0">
+              <a:solidFill>
+                <a:srgbClr val="000066"/>
+              </a:solidFill>
+              <a:latin typeface="微軟正黑體" pitchFamily="34" charset="-120"/>
+              <a:ea typeface="微軟正黑體" pitchFamily="34" charset="-120"/>
+            </a:endParaRPr>
+          </a:p>
+          <a:p>
+            <a:pPr algn="ctr">
+              <a:buNone/>
+            </a:pPr>
+            <a:r>
+              <a:rPr lang="zh-TW" altLang="en-US" sz="5400" b="1" dirty="0">
+                <a:solidFill>
+                  <a:srgbClr val="000066"/>
+                </a:solidFill>
+                <a:latin typeface="微軟正黑體" pitchFamily="34" charset="-120"/>
+                <a:ea typeface="微軟正黑體" pitchFamily="34" charset="-120"/>
+              </a:rPr>
+              <a:t>成長一切照料到</a:t>
+            </a:r>
+          </a:p>
+        </p:txBody>
+      </p:sp>
+    </p:spTree>
+    <p:extLst>
+      <p:ext uri="{BB962C8B-B14F-4D97-AF65-F5344CB8AC3E}">
+        <p14:creationId xmlns:p14="http://schemas.microsoft.com/office/powerpoint/2010/main" xmlns="" val="1050971183"/>
+      </p:ext>
+    </p:extLst>
+  </p:cSld>
+  <p:clrMapOvr>
+    <a:masterClrMapping/>
+  </p:clrMapOvr>
+</p:sld>
+</file>
+
+<file path=ppt/slides/slide12.xml><?xml version="1.0" encoding="utf-8"?>
+<p:sld xmlns:a="http://schemas.openxmlformats.org/drawingml/2006/main" xmlns:r="http://schemas.openxmlformats.org/officeDocument/2006/relationships" xmlns:p="http://schemas.openxmlformats.org/presentationml/2006/main">
+  <p:cSld>
+    <p:spTree>
+      <p:nvGrpSpPr>
+        <p:cNvPr id="1" name=""/>
+        <p:cNvGrpSpPr/>
+        <p:nvPr/>
+      </p:nvGrpSpPr>
+      <p:grpSpPr>
+        <a:xfrm>
+          <a:off x="0" y="0"/>
+          <a:ext cx="0" cy="0"/>
+          <a:chOff x="0" y="0"/>
+          <a:chExt cx="0" cy="0"/>
+        </a:xfrm>
+      </p:grpSpPr>
+      <p:sp>
+        <p:nvSpPr>
+          <p:cNvPr id="4" name="標題 3"/>
+          <p:cNvSpPr>
+            <a:spLocks noGrp="1"/>
+          </p:cNvSpPr>
+          <p:nvPr>
+            <p:ph type="title"/>
+          </p:nvPr>
+        </p:nvSpPr>
+        <p:spPr/>
+        <p:txBody>
+          <a:bodyPr>
+            <a:normAutofit/>
+          </a:bodyPr>
+          <a:lstStyle/>
+          <a:p>
+            <a:r>
+              <a:rPr lang="zh-TW" altLang="en-US" sz="4800" b="1" dirty="0">
+                <a:solidFill>
+                  <a:srgbClr val="000066"/>
+                </a:solidFill>
+                <a:latin typeface="微軟正黑體" pitchFamily="34" charset="-120"/>
+                <a:ea typeface="微軟正黑體" pitchFamily="34" charset="-120"/>
+              </a:rPr>
+              <a:t>爸媽愛我</a:t>
+            </a:r>
+          </a:p>
+        </p:txBody>
+      </p:sp>
+      <p:sp>
+        <p:nvSpPr>
+          <p:cNvPr id="5" name="內容版面配置區 4"/>
+          <p:cNvSpPr>
+            <a:spLocks noGrp="1"/>
+          </p:cNvSpPr>
+          <p:nvPr>
+            <p:ph idx="1"/>
+          </p:nvPr>
+        </p:nvSpPr>
+        <p:spPr/>
+        <p:txBody>
+          <a:bodyPr>
+            <a:normAutofit/>
+          </a:bodyPr>
+          <a:lstStyle/>
+          <a:p>
+            <a:pPr algn="ctr">
+              <a:buNone/>
+            </a:pPr>
+            <a:r>
+              <a:rPr lang="zh-TW" altLang="en-US" sz="5400" b="1" dirty="0">
+                <a:solidFill>
+                  <a:srgbClr val="000066"/>
+                </a:solidFill>
+                <a:latin typeface="微軟正黑體" pitchFamily="34" charset="-120"/>
+                <a:ea typeface="微軟正黑體" pitchFamily="34" charset="-120"/>
+              </a:rPr>
+              <a:t>孝順父母努力讀書</a:t>
+            </a:r>
+            <a:endParaRPr lang="en-US" altLang="zh-TW" sz="5400" b="1" dirty="0">
+              <a:solidFill>
+                <a:srgbClr val="000066"/>
+              </a:solidFill>
+              <a:latin typeface="微軟正黑體" pitchFamily="34" charset="-120"/>
+              <a:ea typeface="微軟正黑體" pitchFamily="34" charset="-120"/>
+            </a:endParaRPr>
+          </a:p>
+          <a:p>
+            <a:pPr algn="ctr">
+              <a:buNone/>
+            </a:pPr>
+            <a:r>
+              <a:rPr lang="zh-TW" altLang="en-US" sz="5400" b="1" dirty="0">
+                <a:solidFill>
+                  <a:srgbClr val="000066"/>
+                </a:solidFill>
+                <a:latin typeface="微軟正黑體" pitchFamily="34" charset="-120"/>
+                <a:ea typeface="微軟正黑體" pitchFamily="34" charset="-120"/>
+              </a:rPr>
+              <a:t>分擔家務有趣味</a:t>
+            </a:r>
+            <a:endParaRPr lang="en-US" altLang="zh-TW" sz="5400" b="1" dirty="0">
+              <a:solidFill>
+                <a:srgbClr val="000066"/>
+              </a:solidFill>
+              <a:latin typeface="微軟正黑體" pitchFamily="34" charset="-120"/>
+              <a:ea typeface="微軟正黑體" pitchFamily="34" charset="-120"/>
+            </a:endParaRPr>
+          </a:p>
+          <a:p>
+            <a:pPr algn="ctr">
+              <a:buNone/>
+            </a:pPr>
+            <a:r>
+              <a:rPr lang="zh-TW" altLang="en-US" sz="5400" b="1" dirty="0">
+                <a:solidFill>
+                  <a:srgbClr val="000066"/>
+                </a:solidFill>
+                <a:latin typeface="微軟正黑體" pitchFamily="34" charset="-120"/>
+                <a:ea typeface="微軟正黑體" pitchFamily="34" charset="-120"/>
+              </a:rPr>
+              <a:t>這個家裡充滿快樂</a:t>
+            </a:r>
+            <a:endParaRPr lang="en-US" altLang="zh-TW" sz="5400" b="1" dirty="0">
+              <a:solidFill>
+                <a:srgbClr val="000066"/>
+              </a:solidFill>
+              <a:latin typeface="微軟正黑體" pitchFamily="34" charset="-120"/>
+              <a:ea typeface="微軟正黑體" pitchFamily="34" charset="-120"/>
+            </a:endParaRPr>
+          </a:p>
+          <a:p>
+            <a:pPr algn="ctr">
+              <a:buNone/>
+            </a:pPr>
+            <a:r>
+              <a:rPr lang="zh-TW" altLang="en-US" sz="5400" b="1" dirty="0">
+                <a:solidFill>
+                  <a:srgbClr val="000066"/>
+                </a:solidFill>
+                <a:latin typeface="微軟正黑體" pitchFamily="34" charset="-120"/>
+                <a:ea typeface="微軟正黑體" pitchFamily="34" charset="-120"/>
+              </a:rPr>
+              <a:t>常有爸媽愛護我</a:t>
+            </a:r>
+          </a:p>
+        </p:txBody>
+      </p:sp>
+    </p:spTree>
+    <p:extLst>
+      <p:ext uri="{BB962C8B-B14F-4D97-AF65-F5344CB8AC3E}">
+        <p14:creationId xmlns:p14="http://schemas.microsoft.com/office/powerpoint/2010/main" xmlns="" val="3729452165"/>
+      </p:ext>
+    </p:extLst>
+  </p:cSld>
+  <p:clrMapOvr>
+    <a:masterClrMapping/>
+  </p:clrMapOvr>
+</p:sld>
+</file>
+
+<file path=ppt/slides/slide13.xml><?xml version="1.0" encoding="utf-8"?>
+<p:sld xmlns:a="http://schemas.openxmlformats.org/drawingml/2006/main" xmlns:r="http://schemas.openxmlformats.org/officeDocument/2006/relationships" xmlns:p="http://schemas.openxmlformats.org/presentationml/2006/main">
+  <p:cSld>
+    <p:spTree>
+      <p:nvGrpSpPr>
+        <p:cNvPr id="1" name=""/>
+        <p:cNvGrpSpPr/>
+        <p:nvPr/>
+      </p:nvGrpSpPr>
+      <p:grpSpPr>
+        <a:xfrm>
+          <a:off x="0" y="0"/>
+          <a:ext cx="0" cy="0"/>
+          <a:chOff x="0" y="0"/>
+          <a:chExt cx="0" cy="0"/>
+        </a:xfrm>
+      </p:grpSpPr>
+      <p:sp>
+        <p:nvSpPr>
+          <p:cNvPr id="2" name="Title 1"/>
+          <p:cNvSpPr>
+            <a:spLocks noGrp="1"/>
+          </p:cNvSpPr>
+          <p:nvPr>
+            <p:ph type="title"/>
+          </p:nvPr>
+        </p:nvSpPr>
+        <p:spPr/>
+        <p:txBody>
+          <a:bodyPr>
+            <a:normAutofit/>
+          </a:bodyPr>
+          <a:lstStyle/>
+          <a:p>
+            <a:r>
+              <a:rPr lang="zh-CN" altLang="en-US" sz="5400" b="1" dirty="0">
+                <a:solidFill>
+                  <a:srgbClr val="660033"/>
+                </a:solidFill>
+                <a:latin typeface="Microsoft JhengHei" panose="020B0604030504040204" pitchFamily="34" charset="-120"/>
+                <a:ea typeface="Microsoft JhengHei" panose="020B0604030504040204" pitchFamily="34" charset="-120"/>
+              </a:rPr>
+              <a:t>爸媽我愛您</a:t>
+            </a:r>
+            <a:endParaRPr lang="vi-VN" sz="5400" b="1" dirty="0">
+              <a:solidFill>
+                <a:srgbClr val="660033"/>
+              </a:solidFill>
+              <a:ea typeface="Microsoft JhengHei" panose="020B0604030504040204" pitchFamily="34" charset="-120"/>
+            </a:endParaRPr>
+          </a:p>
+        </p:txBody>
+      </p:sp>
+      <p:sp>
+        <p:nvSpPr>
+          <p:cNvPr id="3" name="Content Placeholder 2"/>
+          <p:cNvSpPr>
+            <a:spLocks noGrp="1"/>
+          </p:cNvSpPr>
+          <p:nvPr>
+            <p:ph idx="1"/>
+          </p:nvPr>
+        </p:nvSpPr>
+        <p:spPr/>
+        <p:txBody>
+          <a:bodyPr>
+            <a:normAutofit/>
+          </a:bodyPr>
+          <a:lstStyle/>
+          <a:p>
+            <a:pPr marL="0" indent="0" algn="ctr">
+              <a:buNone/>
+            </a:pPr>
+            <a:r>
+              <a:rPr lang="zh-CN" altLang="en-US" sz="6000" b="1" dirty="0" smtClean="0">
+                <a:solidFill>
+                  <a:srgbClr val="660033"/>
+                </a:solidFill>
+                <a:latin typeface="Microsoft JhengHei" panose="020B0604030504040204" pitchFamily="34" charset="-120"/>
+                <a:ea typeface="Microsoft JhengHei" panose="020B0604030504040204" pitchFamily="34" charset="-120"/>
+              </a:rPr>
+              <a:t>她的愛心似水長流</a:t>
+            </a:r>
+            <a:endParaRPr lang="en-US" altLang="zh-CN" sz="6000" b="1" dirty="0" smtClean="0">
+              <a:solidFill>
+                <a:srgbClr val="660033"/>
+              </a:solidFill>
+              <a:latin typeface="Microsoft JhengHei" panose="020B0604030504040204" pitchFamily="34" charset="-120"/>
+              <a:ea typeface="Microsoft JhengHei" panose="020B0604030504040204" pitchFamily="34" charset="-120"/>
+            </a:endParaRPr>
+          </a:p>
+          <a:p>
+            <a:pPr marL="0" indent="0" algn="ctr">
+              <a:buNone/>
+            </a:pPr>
+            <a:r>
+              <a:rPr lang="zh-CN" altLang="en-US" sz="6000" b="1" dirty="0">
+                <a:solidFill>
+                  <a:srgbClr val="660033"/>
+                </a:solidFill>
+                <a:latin typeface="Microsoft JhengHei" panose="020B0604030504040204" pitchFamily="34" charset="-120"/>
+                <a:ea typeface="Microsoft JhengHei" panose="020B0604030504040204" pitchFamily="34" charset="-120"/>
+              </a:rPr>
+              <a:t>只求孩</a:t>
+            </a:r>
+            <a:r>
+              <a:rPr lang="zh-CN" altLang="en-US" sz="6000" b="1" dirty="0" smtClean="0">
+                <a:solidFill>
+                  <a:srgbClr val="660033"/>
+                </a:solidFill>
+                <a:latin typeface="Microsoft JhengHei" panose="020B0604030504040204" pitchFamily="34" charset="-120"/>
+                <a:ea typeface="Microsoft JhengHei" panose="020B0604030504040204" pitchFamily="34" charset="-120"/>
+              </a:rPr>
+              <a:t>子天天樂悠悠</a:t>
+            </a:r>
+            <a:endParaRPr lang="en-US" altLang="zh-CN" sz="6000" b="1" dirty="0" smtClean="0">
+              <a:solidFill>
+                <a:srgbClr val="660033"/>
+              </a:solidFill>
+              <a:latin typeface="Microsoft JhengHei" panose="020B0604030504040204" pitchFamily="34" charset="-120"/>
+              <a:ea typeface="Microsoft JhengHei" panose="020B0604030504040204" pitchFamily="34" charset="-120"/>
+            </a:endParaRPr>
+          </a:p>
+          <a:p>
+            <a:pPr marL="0" indent="0" algn="ctr">
+              <a:buNone/>
+            </a:pPr>
+            <a:r>
+              <a:rPr lang="zh-CN" altLang="en-US" sz="6000" b="1" dirty="0">
+                <a:solidFill>
+                  <a:srgbClr val="660033"/>
+                </a:solidFill>
+                <a:latin typeface="Microsoft JhengHei" panose="020B0604030504040204" pitchFamily="34" charset="-120"/>
+                <a:ea typeface="Microsoft JhengHei" panose="020B0604030504040204" pitchFamily="34" charset="-120"/>
+              </a:rPr>
+              <a:t>給我溫暖挽我</a:t>
+            </a:r>
+            <a:r>
+              <a:rPr lang="zh-CN" altLang="en-US" sz="6000" b="1" dirty="0" smtClean="0">
+                <a:solidFill>
+                  <a:srgbClr val="660033"/>
+                </a:solidFill>
+                <a:latin typeface="Microsoft JhengHei" panose="020B0604030504040204" pitchFamily="34" charset="-120"/>
+                <a:ea typeface="Microsoft JhengHei" panose="020B0604030504040204" pitchFamily="34" charset="-120"/>
+              </a:rPr>
+              <a:t>手</a:t>
+            </a:r>
+            <a:endParaRPr lang="en-US" altLang="zh-CN" sz="6000" b="1" dirty="0" smtClean="0">
+              <a:solidFill>
+                <a:srgbClr val="660033"/>
+              </a:solidFill>
+              <a:latin typeface="Microsoft JhengHei" panose="020B0604030504040204" pitchFamily="34" charset="-120"/>
+              <a:ea typeface="Microsoft JhengHei" panose="020B0604030504040204" pitchFamily="34" charset="-120"/>
+            </a:endParaRPr>
+          </a:p>
+          <a:p>
+            <a:pPr marL="0" indent="0" algn="ctr">
+              <a:buNone/>
+            </a:pPr>
+            <a:r>
+              <a:rPr lang="en-US" sz="6000" b="1" dirty="0" smtClean="0">
+                <a:solidFill>
+                  <a:srgbClr val="660033"/>
+                </a:solidFill>
+                <a:latin typeface="Microsoft JhengHei" panose="020B0604030504040204" pitchFamily="34" charset="-120"/>
+                <a:ea typeface="Microsoft JhengHei" panose="020B0604030504040204" pitchFamily="34" charset="-120"/>
+              </a:rPr>
+              <a:t>OH </a:t>
+            </a:r>
+            <a:r>
+              <a:rPr lang="zh-CN" altLang="en-US" sz="6000" b="1" dirty="0" smtClean="0">
+                <a:solidFill>
+                  <a:srgbClr val="660033"/>
+                </a:solidFill>
+                <a:latin typeface="Microsoft JhengHei" panose="020B0604030504040204" pitchFamily="34" charset="-120"/>
+                <a:ea typeface="Microsoft JhengHei" panose="020B0604030504040204" pitchFamily="34" charset="-120"/>
+              </a:rPr>
+              <a:t>媽咪多謝你</a:t>
+            </a:r>
+            <a:endParaRPr lang="vi-VN" sz="6000" b="1" dirty="0">
+              <a:solidFill>
+                <a:srgbClr val="660033"/>
+              </a:solidFill>
+              <a:ea typeface="Microsoft JhengHei" panose="020B0604030504040204" pitchFamily="34" charset="-120"/>
+            </a:endParaRPr>
+          </a:p>
+        </p:txBody>
+      </p:sp>
+    </p:spTree>
+    <p:extLst>
+      <p:ext uri="{BB962C8B-B14F-4D97-AF65-F5344CB8AC3E}">
+        <p14:creationId xmlns:p14="http://schemas.microsoft.com/office/powerpoint/2010/main" xmlns="" val="3390910872"/>
+      </p:ext>
+    </p:extLst>
+  </p:cSld>
+  <p:clrMapOvr>
+    <a:masterClrMapping/>
+  </p:clrMapOvr>
+</p:sld>
+</file>
+
+<file path=ppt/slides/slide14.xml><?xml version="1.0" encoding="utf-8"?>
+<p:sld xmlns:a="http://schemas.openxmlformats.org/drawingml/2006/main" xmlns:r="http://schemas.openxmlformats.org/officeDocument/2006/relationships" xmlns:p="http://schemas.openxmlformats.org/presentationml/2006/main">
+  <p:cSld>
+    <p:spTree>
+      <p:nvGrpSpPr>
+        <p:cNvPr id="1" name=""/>
+        <p:cNvGrpSpPr/>
+        <p:nvPr/>
+      </p:nvGrpSpPr>
+      <p:grpSpPr>
+        <a:xfrm>
+          <a:off x="0" y="0"/>
+          <a:ext cx="0" cy="0"/>
+          <a:chOff x="0" y="0"/>
+          <a:chExt cx="0" cy="0"/>
+        </a:xfrm>
+      </p:grpSpPr>
+      <p:sp>
+        <p:nvSpPr>
+          <p:cNvPr id="2" name="Title 1"/>
+          <p:cNvSpPr>
+            <a:spLocks noGrp="1"/>
+          </p:cNvSpPr>
+          <p:nvPr>
+            <p:ph type="title"/>
+          </p:nvPr>
+        </p:nvSpPr>
+        <p:spPr/>
+        <p:txBody>
+          <a:bodyPr>
+            <a:normAutofit/>
+          </a:bodyPr>
+          <a:lstStyle/>
+          <a:p>
+            <a:r>
+              <a:rPr lang="zh-CN" altLang="en-US" sz="5400" b="1" dirty="0">
+                <a:solidFill>
+                  <a:srgbClr val="660033"/>
+                </a:solidFill>
+                <a:latin typeface="Microsoft JhengHei" panose="020B0604030504040204" pitchFamily="34" charset="-120"/>
+                <a:ea typeface="Microsoft JhengHei" panose="020B0604030504040204" pitchFamily="34" charset="-120"/>
+              </a:rPr>
+              <a:t>爸媽我愛您</a:t>
+            </a:r>
+            <a:endParaRPr lang="vi-VN" altLang="en-US" sz="5400" b="1" dirty="0">
+              <a:solidFill>
+                <a:srgbClr val="660033"/>
+              </a:solidFill>
+              <a:latin typeface="Microsoft JhengHei" panose="020B0604030504040204" pitchFamily="34" charset="-120"/>
+              <a:ea typeface="Microsoft JhengHei" panose="020B0604030504040204" pitchFamily="34" charset="-120"/>
+            </a:endParaRPr>
+          </a:p>
+        </p:txBody>
+      </p:sp>
+      <p:sp>
+        <p:nvSpPr>
+          <p:cNvPr id="3" name="Content Placeholder 2"/>
+          <p:cNvSpPr>
+            <a:spLocks noGrp="1"/>
+          </p:cNvSpPr>
+          <p:nvPr>
+            <p:ph idx="1"/>
+          </p:nvPr>
+        </p:nvSpPr>
+        <p:spPr/>
+        <p:txBody>
+          <a:bodyPr>
+            <a:normAutofit/>
+          </a:bodyPr>
+          <a:lstStyle/>
+          <a:p>
+            <a:pPr marL="0" indent="0" algn="ctr">
+              <a:buNone/>
+            </a:pPr>
+            <a:r>
+              <a:rPr lang="zh-CN" altLang="en-US" sz="6000" b="1" dirty="0">
+                <a:solidFill>
+                  <a:srgbClr val="660033"/>
+                </a:solidFill>
+                <a:ea typeface="Microsoft JhengHei" panose="020B0604030504040204" pitchFamily="34" charset="-120"/>
+              </a:rPr>
+              <a:t>天天照料我  </a:t>
+            </a:r>
+            <a:endParaRPr lang="en-US" altLang="zh-CN" sz="6000" b="1" dirty="0" smtClean="0">
+              <a:solidFill>
+                <a:srgbClr val="660033"/>
+              </a:solidFill>
+              <a:ea typeface="Microsoft JhengHei" panose="020B0604030504040204" pitchFamily="34" charset="-120"/>
+            </a:endParaRPr>
+          </a:p>
+          <a:p>
+            <a:pPr marL="0" indent="0" algn="ctr">
+              <a:buNone/>
+            </a:pPr>
+            <a:r>
+              <a:rPr lang="zh-CN" altLang="en-US" sz="6000" b="1" dirty="0" smtClean="0">
+                <a:solidFill>
+                  <a:srgbClr val="660033"/>
+                </a:solidFill>
+                <a:ea typeface="Microsoft JhengHei" panose="020B0604030504040204" pitchFamily="34" charset="-120"/>
+              </a:rPr>
+              <a:t>每</a:t>
+            </a:r>
+            <a:r>
+              <a:rPr lang="zh-CN" altLang="en-US" sz="6000" b="1" dirty="0">
+                <a:solidFill>
+                  <a:srgbClr val="660033"/>
+                </a:solidFill>
+                <a:ea typeface="Microsoft JhengHei" panose="020B0604030504040204" pitchFamily="34" charset="-120"/>
+              </a:rPr>
+              <a:t>日</a:t>
+            </a:r>
+            <a:r>
+              <a:rPr lang="zh-CN" altLang="en-US" sz="6000" b="1" dirty="0" smtClean="0">
+                <a:solidFill>
+                  <a:srgbClr val="660033"/>
+                </a:solidFill>
+                <a:ea typeface="Microsoft JhengHei" panose="020B0604030504040204" pitchFamily="34" charset="-120"/>
+              </a:rPr>
+              <a:t>循循地教導我</a:t>
+            </a:r>
+            <a:endParaRPr lang="en-US" altLang="zh-CN" sz="6000" b="1" dirty="0" smtClean="0">
+              <a:solidFill>
+                <a:srgbClr val="660033"/>
+              </a:solidFill>
+              <a:ea typeface="Microsoft JhengHei" panose="020B0604030504040204" pitchFamily="34" charset="-120"/>
+            </a:endParaRPr>
+          </a:p>
+          <a:p>
+            <a:pPr marL="0" indent="0" algn="ctr">
+              <a:buNone/>
+            </a:pPr>
+            <a:r>
+              <a:rPr lang="zh-CN" altLang="en-US" sz="6000" b="1" dirty="0">
+                <a:solidFill>
+                  <a:srgbClr val="660033"/>
+                </a:solidFill>
+                <a:ea typeface="Microsoft JhengHei" panose="020B0604030504040204" pitchFamily="34" charset="-120"/>
+              </a:rPr>
+              <a:t>謝</a:t>
+            </a:r>
+            <a:r>
+              <a:rPr lang="zh-CN" altLang="en-US" sz="6000" b="1" dirty="0" smtClean="0">
+                <a:solidFill>
+                  <a:srgbClr val="660033"/>
+                </a:solidFill>
+                <a:ea typeface="Microsoft JhengHei" panose="020B0604030504040204" pitchFamily="34" charset="-120"/>
+              </a:rPr>
+              <a:t>謝天父賜給我 </a:t>
+            </a:r>
+            <a:endParaRPr lang="en-US" altLang="zh-CN" sz="6000" b="1" dirty="0" smtClean="0">
+              <a:solidFill>
+                <a:srgbClr val="660033"/>
+              </a:solidFill>
+              <a:ea typeface="Microsoft JhengHei" panose="020B0604030504040204" pitchFamily="34" charset="-120"/>
+            </a:endParaRPr>
+          </a:p>
+          <a:p>
+            <a:pPr marL="0" indent="0" algn="ctr">
+              <a:buNone/>
+            </a:pPr>
+            <a:r>
+              <a:rPr lang="zh-CN" altLang="en-US" sz="6000" b="1" dirty="0" smtClean="0">
+                <a:solidFill>
+                  <a:srgbClr val="660033"/>
+                </a:solidFill>
+                <a:ea typeface="Microsoft JhengHei" panose="020B0604030504040204" pitchFamily="34" charset="-120"/>
+              </a:rPr>
+              <a:t>爸媽無窮盡的愛</a:t>
+            </a:r>
+            <a:endParaRPr lang="vi-VN" sz="6000" b="1" dirty="0">
+              <a:solidFill>
+                <a:srgbClr val="660033"/>
+              </a:solidFill>
+              <a:ea typeface="Microsoft JhengHei" panose="020B0604030504040204" pitchFamily="34" charset="-120"/>
+            </a:endParaRPr>
+          </a:p>
+        </p:txBody>
+      </p:sp>
+    </p:spTree>
+    <p:extLst>
+      <p:ext uri="{BB962C8B-B14F-4D97-AF65-F5344CB8AC3E}">
+        <p14:creationId xmlns:p14="http://schemas.microsoft.com/office/powerpoint/2010/main" xmlns="" val="2137633891"/>
+      </p:ext>
+    </p:extLst>
+  </p:cSld>
+  <p:clrMapOvr>
+    <a:masterClrMapping/>
+  </p:clrMapOvr>
+</p:sld>
+</file>
+
+<file path=ppt/slides/slide15.xml><?xml version="1.0" encoding="utf-8"?>
+<p:sld xmlns:a="http://schemas.openxmlformats.org/drawingml/2006/main" xmlns:r="http://schemas.openxmlformats.org/officeDocument/2006/relationships" xmlns:p="http://schemas.openxmlformats.org/presentationml/2006/main">
+  <p:cSld>
+    <p:spTree>
+      <p:nvGrpSpPr>
+        <p:cNvPr id="1" name=""/>
+        <p:cNvGrpSpPr/>
+        <p:nvPr/>
+      </p:nvGrpSpPr>
+      <p:grpSpPr>
+        <a:xfrm>
+          <a:off x="0" y="0"/>
+          <a:ext cx="0" cy="0"/>
+          <a:chOff x="0" y="0"/>
+          <a:chExt cx="0" cy="0"/>
+        </a:xfrm>
+      </p:grpSpPr>
+      <p:sp>
+        <p:nvSpPr>
+          <p:cNvPr id="2" name="Title 1"/>
+          <p:cNvSpPr>
+            <a:spLocks noGrp="1"/>
+          </p:cNvSpPr>
+          <p:nvPr>
+            <p:ph type="title"/>
+          </p:nvPr>
+        </p:nvSpPr>
+        <p:spPr/>
+        <p:txBody>
+          <a:bodyPr>
+            <a:normAutofit/>
+          </a:bodyPr>
+          <a:lstStyle/>
+          <a:p>
+            <a:r>
+              <a:rPr lang="zh-CN" altLang="en-US" sz="5400" b="1" dirty="0">
+                <a:solidFill>
+                  <a:srgbClr val="660033"/>
+                </a:solidFill>
+                <a:latin typeface="Microsoft JhengHei" panose="020B0604030504040204" pitchFamily="34" charset="-120"/>
+                <a:ea typeface="Microsoft JhengHei" panose="020B0604030504040204" pitchFamily="34" charset="-120"/>
+              </a:rPr>
+              <a:t>爸媽我愛您</a:t>
+            </a:r>
+            <a:endParaRPr lang="vi-VN" altLang="en-US" sz="5400" b="1" dirty="0">
+              <a:solidFill>
+                <a:srgbClr val="660033"/>
+              </a:solidFill>
+              <a:latin typeface="Microsoft JhengHei" panose="020B0604030504040204" pitchFamily="34" charset="-120"/>
+              <a:ea typeface="Microsoft JhengHei" panose="020B0604030504040204" pitchFamily="34" charset="-120"/>
+            </a:endParaRPr>
+          </a:p>
+        </p:txBody>
+      </p:sp>
+      <p:sp>
+        <p:nvSpPr>
+          <p:cNvPr id="3" name="Content Placeholder 2"/>
+          <p:cNvSpPr>
+            <a:spLocks noGrp="1"/>
+          </p:cNvSpPr>
+          <p:nvPr>
+            <p:ph idx="1"/>
+          </p:nvPr>
+        </p:nvSpPr>
+        <p:spPr/>
+        <p:txBody>
+          <a:bodyPr>
+            <a:normAutofit/>
+          </a:bodyPr>
+          <a:lstStyle/>
+          <a:p>
+            <a:pPr marL="0" indent="0" algn="ctr">
+              <a:buNone/>
+            </a:pPr>
+            <a:r>
+              <a:rPr lang="zh-CN" altLang="en-US" sz="6000" b="1" dirty="0" smtClean="0">
+                <a:solidFill>
+                  <a:srgbClr val="660033"/>
+                </a:solidFill>
+                <a:latin typeface="Microsoft JhengHei" panose="020B0604030504040204" pitchFamily="34" charset="-120"/>
+                <a:ea typeface="Microsoft JhengHei" panose="020B0604030504040204" pitchFamily="34" charset="-120"/>
+              </a:rPr>
+              <a:t>他工作不會多停留</a:t>
+            </a:r>
+            <a:endParaRPr lang="en-US" altLang="zh-CN" sz="6000" b="1" dirty="0" smtClean="0">
+              <a:solidFill>
+                <a:srgbClr val="660033"/>
+              </a:solidFill>
+              <a:latin typeface="Microsoft JhengHei" panose="020B0604030504040204" pitchFamily="34" charset="-120"/>
+              <a:ea typeface="Microsoft JhengHei" panose="020B0604030504040204" pitchFamily="34" charset="-120"/>
+            </a:endParaRPr>
+          </a:p>
+          <a:p>
+            <a:pPr marL="0" indent="0" algn="ctr">
+              <a:buNone/>
+            </a:pPr>
+            <a:r>
+              <a:rPr lang="zh-CN" altLang="en-US" sz="6000" b="1" dirty="0">
+                <a:solidFill>
+                  <a:srgbClr val="660033"/>
+                </a:solidFill>
+                <a:latin typeface="Microsoft JhengHei" panose="020B0604030504040204" pitchFamily="34" charset="-120"/>
+                <a:ea typeface="Microsoft JhengHei" panose="020B0604030504040204" pitchFamily="34" charset="-120"/>
+              </a:rPr>
+              <a:t>只</a:t>
+            </a:r>
+            <a:r>
+              <a:rPr lang="zh-CN" altLang="en-US" sz="6000" b="1" dirty="0" smtClean="0">
+                <a:solidFill>
+                  <a:srgbClr val="660033"/>
+                </a:solidFill>
+                <a:latin typeface="Microsoft JhengHei" panose="020B0604030504040204" pitchFamily="34" charset="-120"/>
+                <a:ea typeface="Microsoft JhengHei" panose="020B0604030504040204" pitchFamily="34" charset="-120"/>
+              </a:rPr>
+              <a:t>求孩子天天多足夠</a:t>
+            </a:r>
+            <a:endParaRPr lang="en-US" altLang="zh-CN" sz="6000" b="1" dirty="0" smtClean="0">
+              <a:solidFill>
+                <a:srgbClr val="660033"/>
+              </a:solidFill>
+              <a:latin typeface="Microsoft JhengHei" panose="020B0604030504040204" pitchFamily="34" charset="-120"/>
+              <a:ea typeface="Microsoft JhengHei" panose="020B0604030504040204" pitchFamily="34" charset="-120"/>
+            </a:endParaRPr>
+          </a:p>
+          <a:p>
+            <a:pPr marL="0" indent="0" algn="ctr">
+              <a:buNone/>
+            </a:pPr>
+            <a:r>
+              <a:rPr lang="zh-CN" altLang="en-US" sz="6000" b="1" dirty="0">
+                <a:solidFill>
+                  <a:srgbClr val="660033"/>
+                </a:solidFill>
+                <a:latin typeface="Microsoft JhengHei" panose="020B0604030504040204" pitchFamily="34" charset="-120"/>
+                <a:ea typeface="Microsoft JhengHei" panose="020B0604030504040204" pitchFamily="34" charset="-120"/>
+              </a:rPr>
+              <a:t>給</a:t>
+            </a:r>
+            <a:r>
+              <a:rPr lang="zh-CN" altLang="en-US" sz="6000" b="1" dirty="0" smtClean="0">
+                <a:solidFill>
+                  <a:srgbClr val="660033"/>
+                </a:solidFill>
+                <a:latin typeface="Microsoft JhengHei" panose="020B0604030504040204" pitchFamily="34" charset="-120"/>
+                <a:ea typeface="Microsoft JhengHei" panose="020B0604030504040204" pitchFamily="34" charset="-120"/>
+              </a:rPr>
+              <a:t>我飽暖無擔憂</a:t>
+            </a:r>
+            <a:endParaRPr lang="en-US" altLang="zh-CN" sz="6000" b="1" dirty="0" smtClean="0">
+              <a:solidFill>
+                <a:srgbClr val="660033"/>
+              </a:solidFill>
+              <a:latin typeface="Microsoft JhengHei" panose="020B0604030504040204" pitchFamily="34" charset="-120"/>
+              <a:ea typeface="Microsoft JhengHei" panose="020B0604030504040204" pitchFamily="34" charset="-120"/>
+            </a:endParaRPr>
+          </a:p>
+          <a:p>
+            <a:pPr marL="0" indent="0" algn="ctr">
+              <a:buNone/>
+            </a:pPr>
+            <a:r>
+              <a:rPr lang="en-US" sz="6000" b="1" dirty="0" smtClean="0">
+                <a:solidFill>
+                  <a:srgbClr val="660033"/>
+                </a:solidFill>
+                <a:latin typeface="Microsoft JhengHei" panose="020B0604030504040204" pitchFamily="34" charset="-120"/>
+                <a:ea typeface="Microsoft JhengHei" panose="020B0604030504040204" pitchFamily="34" charset="-120"/>
+              </a:rPr>
+              <a:t>OH </a:t>
+            </a:r>
+            <a:r>
+              <a:rPr lang="zh-CN" altLang="en-US" sz="6000" b="1" dirty="0">
+                <a:solidFill>
+                  <a:srgbClr val="660033"/>
+                </a:solidFill>
+                <a:latin typeface="Microsoft JhengHei" panose="020B0604030504040204" pitchFamily="34" charset="-120"/>
+                <a:ea typeface="Microsoft JhengHei" panose="020B0604030504040204" pitchFamily="34" charset="-120"/>
+              </a:rPr>
+              <a:t>嗲</a:t>
+            </a:r>
+            <a:r>
+              <a:rPr lang="zh-CN" altLang="en-US" sz="6000" b="1" dirty="0" smtClean="0">
+                <a:solidFill>
+                  <a:srgbClr val="660033"/>
+                </a:solidFill>
+                <a:latin typeface="Microsoft JhengHei" panose="020B0604030504040204" pitchFamily="34" charset="-120"/>
+                <a:ea typeface="Microsoft JhengHei" panose="020B0604030504040204" pitchFamily="34" charset="-120"/>
+              </a:rPr>
+              <a:t>地多謝你</a:t>
+            </a:r>
+            <a:endParaRPr lang="vi-VN" sz="6000" b="1" dirty="0">
+              <a:solidFill>
+                <a:srgbClr val="660033"/>
+              </a:solidFill>
+              <a:ea typeface="Microsoft JhengHei" panose="020B0604030504040204" pitchFamily="34" charset="-120"/>
+            </a:endParaRPr>
+          </a:p>
+        </p:txBody>
+      </p:sp>
+    </p:spTree>
+    <p:extLst>
+      <p:ext uri="{BB962C8B-B14F-4D97-AF65-F5344CB8AC3E}">
+        <p14:creationId xmlns:p14="http://schemas.microsoft.com/office/powerpoint/2010/main" xmlns="" val="894663986"/>
+      </p:ext>
+    </p:extLst>
+  </p:cSld>
+  <p:clrMapOvr>
+    <a:masterClrMapping/>
+  </p:clrMapOvr>
+</p:sld>
+</file>
+
+<file path=ppt/slides/slide16.xml><?xml version="1.0" encoding="utf-8"?>
+<p:sld xmlns:a="http://schemas.openxmlformats.org/drawingml/2006/main" xmlns:r="http://schemas.openxmlformats.org/officeDocument/2006/relationships" xmlns:p="http://schemas.openxmlformats.org/presentationml/2006/main">
+  <p:cSld>
+    <p:spTree>
+      <p:nvGrpSpPr>
+        <p:cNvPr id="1" name=""/>
+        <p:cNvGrpSpPr/>
+        <p:nvPr/>
+      </p:nvGrpSpPr>
+      <p:grpSpPr>
+        <a:xfrm>
+          <a:off x="0" y="0"/>
+          <a:ext cx="0" cy="0"/>
+          <a:chOff x="0" y="0"/>
+          <a:chExt cx="0" cy="0"/>
+        </a:xfrm>
+      </p:grpSpPr>
+      <p:sp>
+        <p:nvSpPr>
+          <p:cNvPr id="2" name="Title 1"/>
+          <p:cNvSpPr>
+            <a:spLocks noGrp="1"/>
+          </p:cNvSpPr>
+          <p:nvPr>
+            <p:ph type="title"/>
+          </p:nvPr>
+        </p:nvSpPr>
+        <p:spPr/>
+        <p:txBody>
+          <a:bodyPr>
+            <a:normAutofit/>
+          </a:bodyPr>
+          <a:lstStyle/>
+          <a:p>
+            <a:r>
+              <a:rPr lang="zh-CN" altLang="en-US" sz="5400" b="1" dirty="0">
+                <a:solidFill>
+                  <a:srgbClr val="660033"/>
+                </a:solidFill>
+                <a:latin typeface="Microsoft JhengHei" panose="020B0604030504040204" pitchFamily="34" charset="-120"/>
+                <a:ea typeface="Microsoft JhengHei" panose="020B0604030504040204" pitchFamily="34" charset="-120"/>
+              </a:rPr>
+              <a:t>爸媽我愛您</a:t>
+            </a:r>
+            <a:endParaRPr lang="vi-VN" altLang="en-US" sz="5400" b="1" dirty="0">
+              <a:solidFill>
+                <a:srgbClr val="660033"/>
+              </a:solidFill>
+              <a:latin typeface="Microsoft JhengHei" panose="020B0604030504040204" pitchFamily="34" charset="-120"/>
+              <a:ea typeface="Microsoft JhengHei" panose="020B0604030504040204" pitchFamily="34" charset="-120"/>
+            </a:endParaRPr>
+          </a:p>
+        </p:txBody>
+      </p:sp>
+      <p:sp>
+        <p:nvSpPr>
+          <p:cNvPr id="3" name="Content Placeholder 2"/>
+          <p:cNvSpPr>
+            <a:spLocks noGrp="1"/>
+          </p:cNvSpPr>
+          <p:nvPr>
+            <p:ph idx="1"/>
+          </p:nvPr>
+        </p:nvSpPr>
+        <p:spPr/>
+        <p:txBody>
+          <a:bodyPr>
+            <a:normAutofit/>
+          </a:bodyPr>
+          <a:lstStyle/>
+          <a:p>
+            <a:pPr marL="0" indent="0" algn="ctr">
+              <a:buNone/>
+            </a:pPr>
+            <a:r>
+              <a:rPr lang="zh-CN" altLang="en-US" sz="6000" b="1" dirty="0">
+                <a:solidFill>
+                  <a:srgbClr val="660033"/>
+                </a:solidFill>
+                <a:ea typeface="Microsoft JhengHei" panose="020B0604030504040204" pitchFamily="34" charset="-120"/>
+              </a:rPr>
+              <a:t>天天照料我  </a:t>
+            </a:r>
+            <a:endParaRPr lang="en-US" altLang="zh-CN" sz="6000" b="1" dirty="0" smtClean="0">
+              <a:solidFill>
+                <a:srgbClr val="660033"/>
+              </a:solidFill>
+              <a:ea typeface="Microsoft JhengHei" panose="020B0604030504040204" pitchFamily="34" charset="-120"/>
+            </a:endParaRPr>
+          </a:p>
+          <a:p>
+            <a:pPr marL="0" indent="0" algn="ctr">
+              <a:buNone/>
+            </a:pPr>
+            <a:r>
+              <a:rPr lang="zh-CN" altLang="en-US" sz="6000" b="1" dirty="0" smtClean="0">
+                <a:solidFill>
+                  <a:srgbClr val="660033"/>
+                </a:solidFill>
+                <a:ea typeface="Microsoft JhengHei" panose="020B0604030504040204" pitchFamily="34" charset="-120"/>
+              </a:rPr>
+              <a:t>每</a:t>
+            </a:r>
+            <a:r>
+              <a:rPr lang="zh-CN" altLang="en-US" sz="6000" b="1" dirty="0">
+                <a:solidFill>
+                  <a:srgbClr val="660033"/>
+                </a:solidFill>
+                <a:ea typeface="Microsoft JhengHei" panose="020B0604030504040204" pitchFamily="34" charset="-120"/>
+              </a:rPr>
+              <a:t>日</a:t>
+            </a:r>
+            <a:r>
+              <a:rPr lang="zh-CN" altLang="en-US" sz="6000" b="1" dirty="0" smtClean="0">
+                <a:solidFill>
+                  <a:srgbClr val="660033"/>
+                </a:solidFill>
+                <a:ea typeface="Microsoft JhengHei" panose="020B0604030504040204" pitchFamily="34" charset="-120"/>
+              </a:rPr>
+              <a:t>循循地教導我</a:t>
+            </a:r>
+            <a:endParaRPr lang="en-US" altLang="zh-CN" sz="6000" b="1" dirty="0" smtClean="0">
+              <a:solidFill>
+                <a:srgbClr val="660033"/>
+              </a:solidFill>
+              <a:ea typeface="Microsoft JhengHei" panose="020B0604030504040204" pitchFamily="34" charset="-120"/>
+            </a:endParaRPr>
+          </a:p>
+          <a:p>
+            <a:pPr marL="0" indent="0" algn="ctr">
+              <a:buNone/>
+            </a:pPr>
+            <a:r>
+              <a:rPr lang="zh-CN" altLang="en-US" sz="6000" b="1" dirty="0">
+                <a:solidFill>
+                  <a:srgbClr val="660033"/>
+                </a:solidFill>
+                <a:ea typeface="Microsoft JhengHei" panose="020B0604030504040204" pitchFamily="34" charset="-120"/>
+              </a:rPr>
+              <a:t>謝</a:t>
+            </a:r>
+            <a:r>
+              <a:rPr lang="zh-CN" altLang="en-US" sz="6000" b="1" dirty="0" smtClean="0">
+                <a:solidFill>
+                  <a:srgbClr val="660033"/>
+                </a:solidFill>
+                <a:ea typeface="Microsoft JhengHei" panose="020B0604030504040204" pitchFamily="34" charset="-120"/>
+              </a:rPr>
+              <a:t>謝天父賜給我 </a:t>
+            </a:r>
+            <a:endParaRPr lang="en-US" altLang="zh-CN" sz="6000" b="1" dirty="0" smtClean="0">
+              <a:solidFill>
+                <a:srgbClr val="660033"/>
+              </a:solidFill>
+              <a:ea typeface="Microsoft JhengHei" panose="020B0604030504040204" pitchFamily="34" charset="-120"/>
+            </a:endParaRPr>
+          </a:p>
+          <a:p>
+            <a:pPr marL="0" indent="0" algn="ctr">
+              <a:buNone/>
+            </a:pPr>
+            <a:r>
+              <a:rPr lang="zh-CN" altLang="en-US" sz="6000" b="1" dirty="0" smtClean="0">
+                <a:solidFill>
+                  <a:srgbClr val="660033"/>
+                </a:solidFill>
+                <a:ea typeface="Microsoft JhengHei" panose="020B0604030504040204" pitchFamily="34" charset="-120"/>
+              </a:rPr>
+              <a:t>爸媽無窮盡的愛</a:t>
+            </a:r>
+            <a:endParaRPr lang="vi-VN" sz="6000" b="1" dirty="0">
+              <a:solidFill>
+                <a:srgbClr val="660033"/>
+              </a:solidFill>
+              <a:ea typeface="Microsoft JhengHei" panose="020B0604030504040204" pitchFamily="34" charset="-120"/>
+            </a:endParaRPr>
+          </a:p>
+        </p:txBody>
+      </p:sp>
+    </p:spTree>
+    <p:extLst>
+      <p:ext uri="{BB962C8B-B14F-4D97-AF65-F5344CB8AC3E}">
+        <p14:creationId xmlns:p14="http://schemas.microsoft.com/office/powerpoint/2010/main" xmlns="" val="4092868391"/>
+      </p:ext>
+    </p:extLst>
+  </p:cSld>
+  <p:clrMapOvr>
+    <a:masterClrMapping/>
+  </p:clrMapOvr>
+</p:sld>
+</file>
+
+<file path=ppt/slides/slide17.xml><?xml version="1.0" encoding="utf-8"?>
+<p:sld xmlns:a="http://schemas.openxmlformats.org/drawingml/2006/main" xmlns:r="http://schemas.openxmlformats.org/officeDocument/2006/relationships" xmlns:p="http://schemas.openxmlformats.org/presentationml/2006/main">
+  <p:cSld>
+    <p:spTree>
+      <p:nvGrpSpPr>
+        <p:cNvPr id="1" name=""/>
+        <p:cNvGrpSpPr/>
+        <p:nvPr/>
+      </p:nvGrpSpPr>
+      <p:grpSpPr>
+        <a:xfrm>
+          <a:off x="0" y="0"/>
+          <a:ext cx="0" cy="0"/>
+          <a:chOff x="0" y="0"/>
+          <a:chExt cx="0" cy="0"/>
+        </a:xfrm>
+      </p:grpSpPr>
+      <p:sp>
+        <p:nvSpPr>
+          <p:cNvPr id="2" name="Title 1"/>
+          <p:cNvSpPr>
+            <a:spLocks noGrp="1"/>
+          </p:cNvSpPr>
+          <p:nvPr>
+            <p:ph type="title"/>
+          </p:nvPr>
+        </p:nvSpPr>
+        <p:spPr/>
+        <p:txBody>
+          <a:bodyPr>
+            <a:normAutofit/>
+          </a:bodyPr>
+          <a:lstStyle/>
+          <a:p>
+            <a:r>
+              <a:rPr lang="zh-CN" altLang="en-US" sz="5400" b="1" dirty="0">
+                <a:solidFill>
+                  <a:srgbClr val="660033"/>
+                </a:solidFill>
+                <a:latin typeface="Microsoft JhengHei" panose="020B0604030504040204" pitchFamily="34" charset="-120"/>
+                <a:ea typeface="Microsoft JhengHei" panose="020B0604030504040204" pitchFamily="34" charset="-120"/>
+              </a:rPr>
+              <a:t>爸媽我愛您</a:t>
+            </a:r>
+            <a:endParaRPr lang="vi-VN" altLang="en-US" sz="5400" b="1" dirty="0">
+              <a:solidFill>
+                <a:srgbClr val="660033"/>
+              </a:solidFill>
+              <a:latin typeface="Microsoft JhengHei" panose="020B0604030504040204" pitchFamily="34" charset="-120"/>
+              <a:ea typeface="Microsoft JhengHei" panose="020B0604030504040204" pitchFamily="34" charset="-120"/>
+            </a:endParaRPr>
+          </a:p>
+        </p:txBody>
+      </p:sp>
+      <p:sp>
+        <p:nvSpPr>
+          <p:cNvPr id="3" name="Content Placeholder 2"/>
+          <p:cNvSpPr>
+            <a:spLocks noGrp="1"/>
+          </p:cNvSpPr>
+          <p:nvPr>
+            <p:ph idx="1"/>
+          </p:nvPr>
+        </p:nvSpPr>
+        <p:spPr/>
+        <p:txBody>
+          <a:bodyPr>
+            <a:normAutofit/>
+          </a:bodyPr>
+          <a:lstStyle/>
+          <a:p>
+            <a:pPr marL="0" indent="0" algn="ctr">
+              <a:buNone/>
+            </a:pPr>
+            <a:r>
+              <a:rPr lang="zh-CN" altLang="en-US" sz="6000" b="1" dirty="0">
+                <a:solidFill>
+                  <a:srgbClr val="660033"/>
+                </a:solidFill>
+                <a:latin typeface="Microsoft JhengHei" panose="020B0604030504040204" pitchFamily="34" charset="-120"/>
+                <a:ea typeface="Microsoft JhengHei" panose="020B0604030504040204" pitchFamily="34" charset="-120"/>
+              </a:rPr>
+              <a:t>一顆孝</a:t>
+            </a:r>
+            <a:r>
+              <a:rPr lang="zh-CN" altLang="en-US" sz="6000" b="1" dirty="0" smtClean="0">
+                <a:solidFill>
+                  <a:srgbClr val="660033"/>
+                </a:solidFill>
+                <a:latin typeface="Microsoft JhengHei" panose="020B0604030504040204" pitchFamily="34" charset="-120"/>
+                <a:ea typeface="Microsoft JhengHei" panose="020B0604030504040204" pitchFamily="34" charset="-120"/>
+              </a:rPr>
+              <a:t>心為你存留</a:t>
+            </a:r>
+            <a:endParaRPr lang="en-US" altLang="zh-CN" sz="6000" b="1" dirty="0" smtClean="0">
+              <a:solidFill>
+                <a:srgbClr val="660033"/>
+              </a:solidFill>
+              <a:latin typeface="Microsoft JhengHei" panose="020B0604030504040204" pitchFamily="34" charset="-120"/>
+              <a:ea typeface="Microsoft JhengHei" panose="020B0604030504040204" pitchFamily="34" charset="-120"/>
+            </a:endParaRPr>
+          </a:p>
+          <a:p>
+            <a:pPr marL="0" indent="0" algn="ctr">
+              <a:buNone/>
+            </a:pPr>
+            <a:r>
+              <a:rPr lang="zh-CN" altLang="en-US" sz="6000" b="1" dirty="0" smtClean="0">
+                <a:solidFill>
+                  <a:srgbClr val="660033"/>
+                </a:solidFill>
+                <a:latin typeface="Microsoft JhengHei" panose="020B0604030504040204" pitchFamily="34" charset="-120"/>
+                <a:ea typeface="Microsoft JhengHei" panose="020B0604030504040204" pitchFamily="34" charset="-120"/>
+              </a:rPr>
+              <a:t>只</a:t>
+            </a:r>
+            <a:r>
+              <a:rPr lang="zh-CN" altLang="en-US" sz="6000" b="1" dirty="0">
+                <a:solidFill>
+                  <a:srgbClr val="660033"/>
+                </a:solidFill>
+                <a:latin typeface="Microsoft JhengHei" panose="020B0604030504040204" pitchFamily="34" charset="-120"/>
+                <a:ea typeface="Microsoft JhengHei" panose="020B0604030504040204" pitchFamily="34" charset="-120"/>
+              </a:rPr>
+              <a:t>祈</a:t>
+            </a:r>
+            <a:r>
+              <a:rPr lang="zh-CN" altLang="en-US" sz="6000" b="1" dirty="0" smtClean="0">
+                <a:solidFill>
+                  <a:srgbClr val="660033"/>
+                </a:solidFill>
+                <a:latin typeface="Microsoft JhengHei" panose="020B0604030504040204" pitchFamily="34" charset="-120"/>
+                <a:ea typeface="Microsoft JhengHei" panose="020B0604030504040204" pitchFamily="34" charset="-120"/>
+              </a:rPr>
+              <a:t>求雙親都多福蔭</a:t>
+            </a:r>
+            <a:endParaRPr lang="en-US" altLang="zh-CN" sz="6000" b="1" dirty="0" smtClean="0">
+              <a:solidFill>
+                <a:srgbClr val="660033"/>
+              </a:solidFill>
+              <a:latin typeface="Microsoft JhengHei" panose="020B0604030504040204" pitchFamily="34" charset="-120"/>
+              <a:ea typeface="Microsoft JhengHei" panose="020B0604030504040204" pitchFamily="34" charset="-120"/>
+            </a:endParaRPr>
+          </a:p>
+          <a:p>
+            <a:pPr marL="0" indent="0" algn="ctr">
+              <a:buNone/>
+            </a:pPr>
+            <a:r>
+              <a:rPr lang="zh-CN" altLang="en-US" sz="6000" b="1" dirty="0" smtClean="0">
+                <a:solidFill>
+                  <a:srgbClr val="660033"/>
+                </a:solidFill>
+                <a:latin typeface="Microsoft JhengHei" panose="020B0604030504040204" pitchFamily="34" charset="-120"/>
+                <a:ea typeface="Microsoft JhengHei" panose="020B0604030504040204" pitchFamily="34" charset="-120"/>
+              </a:rPr>
+              <a:t>准我給你說一聲</a:t>
+            </a:r>
+            <a:endParaRPr lang="en-US" altLang="zh-CN" sz="6000" b="1" dirty="0" smtClean="0">
+              <a:solidFill>
+                <a:srgbClr val="660033"/>
+              </a:solidFill>
+              <a:latin typeface="Microsoft JhengHei" panose="020B0604030504040204" pitchFamily="34" charset="-120"/>
+              <a:ea typeface="Microsoft JhengHei" panose="020B0604030504040204" pitchFamily="34" charset="-120"/>
+            </a:endParaRPr>
+          </a:p>
+          <a:p>
+            <a:pPr marL="0" indent="0" algn="ctr">
+              <a:buNone/>
+            </a:pPr>
+            <a:r>
+              <a:rPr lang="en-US" sz="6000" b="1" dirty="0" smtClean="0">
+                <a:solidFill>
+                  <a:srgbClr val="660033"/>
+                </a:solidFill>
+                <a:latin typeface="Microsoft JhengHei" panose="020B0604030504040204" pitchFamily="34" charset="-120"/>
+                <a:ea typeface="Microsoft JhengHei" panose="020B0604030504040204" pitchFamily="34" charset="-120"/>
+              </a:rPr>
+              <a:t>OH </a:t>
+            </a:r>
+            <a:r>
+              <a:rPr lang="zh-CN" altLang="en-US" sz="6000" b="1" dirty="0">
+                <a:solidFill>
+                  <a:srgbClr val="660033"/>
+                </a:solidFill>
+                <a:latin typeface="Microsoft JhengHei" panose="020B0604030504040204" pitchFamily="34" charset="-120"/>
+                <a:ea typeface="Microsoft JhengHei" panose="020B0604030504040204" pitchFamily="34" charset="-120"/>
+              </a:rPr>
+              <a:t>嗲</a:t>
+            </a:r>
+            <a:r>
+              <a:rPr lang="zh-CN" altLang="en-US" sz="6000" b="1" dirty="0" smtClean="0">
+                <a:solidFill>
+                  <a:srgbClr val="660033"/>
+                </a:solidFill>
+                <a:latin typeface="Microsoft JhengHei" panose="020B0604030504040204" pitchFamily="34" charset="-120"/>
+                <a:ea typeface="Microsoft JhengHei" panose="020B0604030504040204" pitchFamily="34" charset="-120"/>
+              </a:rPr>
+              <a:t>地</a:t>
+            </a:r>
+            <a:r>
+              <a:rPr lang="zh-CN" altLang="en-US" sz="6000" b="1" dirty="0">
+                <a:solidFill>
+                  <a:srgbClr val="660033"/>
+                </a:solidFill>
+                <a:latin typeface="Microsoft JhengHei" panose="020B0604030504040204" pitchFamily="34" charset="-120"/>
+                <a:ea typeface="Microsoft JhengHei" panose="020B0604030504040204" pitchFamily="34" charset="-120"/>
+              </a:rPr>
+              <a:t>媽咪</a:t>
+            </a:r>
+            <a:r>
+              <a:rPr lang="zh-CN" altLang="en-US" sz="6000" b="1" dirty="0" smtClean="0">
+                <a:solidFill>
+                  <a:srgbClr val="660033"/>
+                </a:solidFill>
+                <a:latin typeface="Microsoft JhengHei" panose="020B0604030504040204" pitchFamily="34" charset="-120"/>
+                <a:ea typeface="Microsoft JhengHei" panose="020B0604030504040204" pitchFamily="34" charset="-120"/>
+              </a:rPr>
+              <a:t>多謝你</a:t>
+            </a:r>
+            <a:endParaRPr lang="vi-VN" sz="6000" b="1" dirty="0">
+              <a:solidFill>
+                <a:srgbClr val="660033"/>
+              </a:solidFill>
+              <a:ea typeface="Microsoft JhengHei" panose="020B0604030504040204" pitchFamily="34" charset="-120"/>
+            </a:endParaRPr>
+          </a:p>
+        </p:txBody>
+      </p:sp>
+    </p:spTree>
+    <p:extLst>
+      <p:ext uri="{BB962C8B-B14F-4D97-AF65-F5344CB8AC3E}">
+        <p14:creationId xmlns:p14="http://schemas.microsoft.com/office/powerpoint/2010/main" xmlns="" val="2906494589"/>
+      </p:ext>
+    </p:extLst>
+  </p:cSld>
+  <p:clrMapOvr>
+    <a:masterClrMapping/>
+  </p:clrMapOvr>
+</p:sld>
+</file>
+
+<file path=ppt/slides/slide18.xml><?xml version="1.0" encoding="utf-8"?>
+<p:sld xmlns:a="http://schemas.openxmlformats.org/drawingml/2006/main" xmlns:r="http://schemas.openxmlformats.org/officeDocument/2006/relationships" xmlns:p="http://schemas.openxmlformats.org/presentationml/2006/main">
+  <p:cSld>
+    <p:spTree>
+      <p:nvGrpSpPr>
+        <p:cNvPr id="1" name=""/>
+        <p:cNvGrpSpPr/>
+        <p:nvPr/>
+      </p:nvGrpSpPr>
+      <p:grpSpPr>
+        <a:xfrm>
+          <a:off x="0" y="0"/>
+          <a:ext cx="0" cy="0"/>
+          <a:chOff x="0" y="0"/>
+          <a:chExt cx="0" cy="0"/>
+        </a:xfrm>
+      </p:grpSpPr>
+      <p:sp>
+        <p:nvSpPr>
+          <p:cNvPr id="2" name="Title 1"/>
+          <p:cNvSpPr>
+            <a:spLocks noGrp="1"/>
+          </p:cNvSpPr>
+          <p:nvPr>
+            <p:ph type="title"/>
+          </p:nvPr>
+        </p:nvSpPr>
+        <p:spPr/>
+        <p:txBody>
+          <a:bodyPr>
+            <a:normAutofit/>
+          </a:bodyPr>
+          <a:lstStyle/>
+          <a:p>
+            <a:r>
+              <a:rPr lang="zh-CN" altLang="en-US" sz="5400" b="1" dirty="0">
+                <a:solidFill>
+                  <a:srgbClr val="660033"/>
+                </a:solidFill>
+                <a:latin typeface="Microsoft JhengHei" panose="020B0604030504040204" pitchFamily="34" charset="-120"/>
+                <a:ea typeface="Microsoft JhengHei" panose="020B0604030504040204" pitchFamily="34" charset="-120"/>
+              </a:rPr>
+              <a:t>爸媽我愛您</a:t>
+            </a:r>
+            <a:endParaRPr lang="vi-VN" altLang="en-US" sz="5400" b="1" dirty="0">
+              <a:solidFill>
+                <a:srgbClr val="660033"/>
+              </a:solidFill>
+              <a:latin typeface="Microsoft JhengHei" panose="020B0604030504040204" pitchFamily="34" charset="-120"/>
+              <a:ea typeface="Microsoft JhengHei" panose="020B0604030504040204" pitchFamily="34" charset="-120"/>
+            </a:endParaRPr>
+          </a:p>
+        </p:txBody>
+      </p:sp>
+      <p:sp>
+        <p:nvSpPr>
+          <p:cNvPr id="3" name="Content Placeholder 2"/>
+          <p:cNvSpPr>
+            <a:spLocks noGrp="1"/>
+          </p:cNvSpPr>
+          <p:nvPr>
+            <p:ph idx="1"/>
+          </p:nvPr>
+        </p:nvSpPr>
+        <p:spPr/>
+        <p:txBody>
+          <a:bodyPr>
+            <a:normAutofit/>
+          </a:bodyPr>
+          <a:lstStyle/>
+          <a:p>
+            <a:pPr marL="0" indent="0" algn="ctr">
+              <a:buNone/>
+            </a:pPr>
+            <a:r>
+              <a:rPr lang="zh-CN" altLang="en-US" sz="6000" b="1" dirty="0">
+                <a:solidFill>
+                  <a:srgbClr val="660033"/>
+                </a:solidFill>
+                <a:ea typeface="Microsoft JhengHei" panose="020B0604030504040204" pitchFamily="34" charset="-120"/>
+              </a:rPr>
+              <a:t>天天照料我  </a:t>
+            </a:r>
+            <a:endParaRPr lang="en-US" altLang="zh-CN" sz="6000" b="1" dirty="0" smtClean="0">
+              <a:solidFill>
+                <a:srgbClr val="660033"/>
+              </a:solidFill>
+              <a:ea typeface="Microsoft JhengHei" panose="020B0604030504040204" pitchFamily="34" charset="-120"/>
+            </a:endParaRPr>
+          </a:p>
+          <a:p>
+            <a:pPr marL="0" indent="0" algn="ctr">
+              <a:buNone/>
+            </a:pPr>
+            <a:r>
+              <a:rPr lang="zh-CN" altLang="en-US" sz="6000" b="1" dirty="0" smtClean="0">
+                <a:solidFill>
+                  <a:srgbClr val="660033"/>
+                </a:solidFill>
+                <a:ea typeface="Microsoft JhengHei" panose="020B0604030504040204" pitchFamily="34" charset="-120"/>
+              </a:rPr>
+              <a:t>每</a:t>
+            </a:r>
+            <a:r>
+              <a:rPr lang="zh-CN" altLang="en-US" sz="6000" b="1" dirty="0">
+                <a:solidFill>
+                  <a:srgbClr val="660033"/>
+                </a:solidFill>
+                <a:ea typeface="Microsoft JhengHei" panose="020B0604030504040204" pitchFamily="34" charset="-120"/>
+              </a:rPr>
+              <a:t>日</a:t>
+            </a:r>
+            <a:r>
+              <a:rPr lang="zh-CN" altLang="en-US" sz="6000" b="1" dirty="0" smtClean="0">
+                <a:solidFill>
+                  <a:srgbClr val="660033"/>
+                </a:solidFill>
+                <a:ea typeface="Microsoft JhengHei" panose="020B0604030504040204" pitchFamily="34" charset="-120"/>
+              </a:rPr>
+              <a:t>循循地教導我</a:t>
+            </a:r>
+            <a:endParaRPr lang="en-US" altLang="zh-CN" sz="6000" b="1" dirty="0" smtClean="0">
+              <a:solidFill>
+                <a:srgbClr val="660033"/>
+              </a:solidFill>
+              <a:ea typeface="Microsoft JhengHei" panose="020B0604030504040204" pitchFamily="34" charset="-120"/>
+            </a:endParaRPr>
+          </a:p>
+          <a:p>
+            <a:pPr marL="0" indent="0" algn="ctr">
+              <a:buNone/>
+            </a:pPr>
+            <a:r>
+              <a:rPr lang="zh-CN" altLang="en-US" sz="6000" b="1" dirty="0">
+                <a:solidFill>
+                  <a:srgbClr val="660033"/>
+                </a:solidFill>
+                <a:ea typeface="Microsoft JhengHei" panose="020B0604030504040204" pitchFamily="34" charset="-120"/>
+              </a:rPr>
+              <a:t>謝</a:t>
+            </a:r>
+            <a:r>
+              <a:rPr lang="zh-CN" altLang="en-US" sz="6000" b="1" dirty="0" smtClean="0">
+                <a:solidFill>
+                  <a:srgbClr val="660033"/>
+                </a:solidFill>
+                <a:ea typeface="Microsoft JhengHei" panose="020B0604030504040204" pitchFamily="34" charset="-120"/>
+              </a:rPr>
+              <a:t>謝天父賜給我 </a:t>
+            </a:r>
+            <a:endParaRPr lang="en-US" altLang="zh-CN" sz="6000" b="1" dirty="0" smtClean="0">
+              <a:solidFill>
+                <a:srgbClr val="660033"/>
+              </a:solidFill>
+              <a:ea typeface="Microsoft JhengHei" panose="020B0604030504040204" pitchFamily="34" charset="-120"/>
+            </a:endParaRPr>
+          </a:p>
+          <a:p>
+            <a:pPr marL="0" indent="0" algn="ctr">
+              <a:buNone/>
+            </a:pPr>
+            <a:r>
+              <a:rPr lang="zh-CN" altLang="en-US" sz="6000" b="1" dirty="0" smtClean="0">
+                <a:solidFill>
+                  <a:srgbClr val="660033"/>
+                </a:solidFill>
+                <a:ea typeface="Microsoft JhengHei" panose="020B0604030504040204" pitchFamily="34" charset="-120"/>
+              </a:rPr>
+              <a:t>爸媽無窮盡的愛</a:t>
+            </a:r>
+            <a:endParaRPr lang="vi-VN" sz="6000" b="1" dirty="0">
+              <a:solidFill>
+                <a:srgbClr val="660033"/>
+              </a:solidFill>
+              <a:ea typeface="Microsoft JhengHei" panose="020B0604030504040204" pitchFamily="34" charset="-120"/>
+            </a:endParaRPr>
+          </a:p>
+        </p:txBody>
+      </p:sp>
+    </p:spTree>
+    <p:extLst>
+      <p:ext uri="{BB962C8B-B14F-4D97-AF65-F5344CB8AC3E}">
+        <p14:creationId xmlns:p14="http://schemas.microsoft.com/office/powerpoint/2010/main" xmlns="" val="3968864150"/>
+      </p:ext>
+    </p:extLst>
+  </p:cSld>
+  <p:clrMapOvr>
+    <a:masterClrMapping/>
+  </p:clrMapOvr>
+</p:sld>
+</file>
+
+<file path=ppt/slides/slide19.xml><?xml version="1.0" encoding="utf-8"?>
+<p:sld xmlns:a="http://schemas.openxmlformats.org/drawingml/2006/main" xmlns:r="http://schemas.openxmlformats.org/officeDocument/2006/relationships" xmlns:p="http://schemas.openxmlformats.org/presentationml/2006/main">
+  <p:cSld>
+    <p:spTree>
+      <p:nvGrpSpPr>
+        <p:cNvPr id="1" name=""/>
+        <p:cNvGrpSpPr/>
+        <p:nvPr/>
+      </p:nvGrpSpPr>
+      <p:grpSpPr>
+        <a:xfrm>
+          <a:off x="0" y="0"/>
+          <a:ext cx="0" cy="0"/>
+          <a:chOff x="0" y="0"/>
+          <a:chExt cx="0" cy="0"/>
+        </a:xfrm>
+      </p:grpSpPr>
+      <p:sp>
+        <p:nvSpPr>
+          <p:cNvPr id="2" name="Title 1"/>
+          <p:cNvSpPr>
+            <a:spLocks noGrp="1"/>
+          </p:cNvSpPr>
+          <p:nvPr>
+            <p:ph type="title"/>
+          </p:nvPr>
+        </p:nvSpPr>
+        <p:spPr/>
+        <p:txBody>
+          <a:bodyPr>
+            <a:normAutofit/>
+          </a:bodyPr>
+          <a:lstStyle/>
+          <a:p>
+            <a:r>
+              <a:rPr lang="zh-CN" altLang="en-US" sz="4800" b="1" dirty="0" smtClean="0">
+                <a:solidFill>
+                  <a:srgbClr val="C00000"/>
+                </a:solidFill>
+                <a:latin typeface="Microsoft JhengHei" panose="020B0604030504040204" pitchFamily="34" charset="-120"/>
+                <a:ea typeface="Microsoft JhengHei" panose="020B0604030504040204" pitchFamily="34" charset="-120"/>
+              </a:rPr>
+              <a:t>每天分享快樂</a:t>
+            </a:r>
+            <a:endParaRPr lang="vi-VN" sz="4800" b="1" dirty="0">
+              <a:solidFill>
+                <a:srgbClr val="C00000"/>
+              </a:solidFill>
+              <a:ea typeface="Microsoft JhengHei" panose="020B0604030504040204" pitchFamily="34" charset="-120"/>
+            </a:endParaRPr>
+          </a:p>
+        </p:txBody>
+      </p:sp>
+      <p:sp>
+        <p:nvSpPr>
+          <p:cNvPr id="3" name="Content Placeholder 2"/>
+          <p:cNvSpPr>
+            <a:spLocks noGrp="1"/>
+          </p:cNvSpPr>
+          <p:nvPr>
+            <p:ph idx="1"/>
+          </p:nvPr>
+        </p:nvSpPr>
+        <p:spPr/>
+        <p:txBody>
+          <a:bodyPr>
+            <a:normAutofit/>
+          </a:bodyPr>
+          <a:lstStyle/>
+          <a:p>
+            <a:pPr marL="0" indent="0" algn="ctr">
+              <a:buNone/>
+            </a:pPr>
+            <a:r>
+              <a:rPr lang="zh-CN" altLang="en-US" sz="5400" b="1" dirty="0">
+                <a:solidFill>
+                  <a:srgbClr val="C00000"/>
+                </a:solidFill>
+                <a:latin typeface="Microsoft JhengHei" panose="020B0604030504040204" pitchFamily="34" charset="-120"/>
+                <a:ea typeface="Microsoft JhengHei" panose="020B0604030504040204" pitchFamily="34" charset="-120"/>
+                <a:cs typeface="+mj-cs"/>
+              </a:rPr>
+              <a:t>聽聽聽聽  </a:t>
+            </a:r>
+            <a:r>
+              <a:rPr lang="zh-CN" altLang="en-US" sz="5400" b="1">
+                <a:solidFill>
+                  <a:srgbClr val="C00000"/>
+                </a:solidFill>
+                <a:latin typeface="Microsoft JhengHei" panose="020B0604030504040204" pitchFamily="34" charset="-120"/>
+                <a:ea typeface="Microsoft JhengHei" panose="020B0604030504040204" pitchFamily="34" charset="-120"/>
+                <a:cs typeface="+mj-cs"/>
+              </a:rPr>
+              <a:t>用心</a:t>
+            </a:r>
+            <a:r>
+              <a:rPr lang="zh-CN" altLang="en-US" sz="5400" b="1" smtClean="0">
+                <a:solidFill>
+                  <a:srgbClr val="C00000"/>
+                </a:solidFill>
+                <a:latin typeface="Microsoft JhengHei" panose="020B0604030504040204" pitchFamily="34" charset="-120"/>
+                <a:ea typeface="Microsoft JhengHei" panose="020B0604030504040204" pitchFamily="34" charset="-120"/>
+                <a:cs typeface="+mj-cs"/>
+              </a:rPr>
+              <a:t>聽主教導</a:t>
+            </a:r>
+            <a:endParaRPr lang="en-US" altLang="zh-CN" sz="5400" b="1" dirty="0">
+              <a:solidFill>
+                <a:srgbClr val="C00000"/>
+              </a:solidFill>
+              <a:latin typeface="Microsoft JhengHei" panose="020B0604030504040204" pitchFamily="34" charset="-120"/>
+              <a:ea typeface="Microsoft JhengHei" panose="020B0604030504040204" pitchFamily="34" charset="-120"/>
+              <a:cs typeface="+mj-cs"/>
+            </a:endParaRPr>
+          </a:p>
+          <a:p>
+            <a:pPr marL="0" indent="0" algn="ctr">
+              <a:buNone/>
+            </a:pPr>
+            <a:r>
+              <a:rPr lang="zh-CN" altLang="en-US" sz="5400" b="1" dirty="0">
+                <a:solidFill>
+                  <a:srgbClr val="C00000"/>
+                </a:solidFill>
+                <a:latin typeface="Microsoft JhengHei" panose="020B0604030504040204" pitchFamily="34" charset="-120"/>
+                <a:ea typeface="Microsoft JhengHei" panose="020B0604030504040204" pitchFamily="34" charset="-120"/>
+                <a:cs typeface="+mj-cs"/>
+              </a:rPr>
+              <a:t>每個教訓  我一一照做</a:t>
+            </a:r>
+            <a:endParaRPr lang="en-US" altLang="zh-CN" sz="5400" b="1" dirty="0">
+              <a:solidFill>
+                <a:srgbClr val="C00000"/>
+              </a:solidFill>
+              <a:latin typeface="Microsoft JhengHei" panose="020B0604030504040204" pitchFamily="34" charset="-120"/>
+              <a:ea typeface="Microsoft JhengHei" panose="020B0604030504040204" pitchFamily="34" charset="-120"/>
+              <a:cs typeface="+mj-cs"/>
+            </a:endParaRPr>
+          </a:p>
+          <a:p>
+            <a:pPr marL="0" indent="0" algn="ctr">
+              <a:buNone/>
+            </a:pPr>
+            <a:r>
+              <a:rPr lang="zh-CN" altLang="en-US" sz="5400" b="1" dirty="0">
+                <a:solidFill>
+                  <a:srgbClr val="C00000"/>
+                </a:solidFill>
+                <a:latin typeface="Microsoft JhengHei" panose="020B0604030504040204" pitchFamily="34" charset="-120"/>
+                <a:ea typeface="Microsoft JhengHei" panose="020B0604030504040204" pitchFamily="34" charset="-120"/>
+                <a:cs typeface="+mj-cs"/>
+              </a:rPr>
+              <a:t>去去去去  每天分享快樂</a:t>
+            </a:r>
+            <a:endParaRPr lang="en-US" altLang="zh-CN" sz="5400" b="1" dirty="0">
+              <a:solidFill>
+                <a:srgbClr val="C00000"/>
+              </a:solidFill>
+              <a:latin typeface="Microsoft JhengHei" panose="020B0604030504040204" pitchFamily="34" charset="-120"/>
+              <a:ea typeface="Microsoft JhengHei" panose="020B0604030504040204" pitchFamily="34" charset="-120"/>
+              <a:cs typeface="+mj-cs"/>
+            </a:endParaRPr>
+          </a:p>
+          <a:p>
+            <a:pPr marL="0" indent="0" algn="ctr">
+              <a:buNone/>
+            </a:pPr>
+            <a:r>
+              <a:rPr lang="zh-CN" altLang="en-US" sz="5400" b="1" dirty="0">
+                <a:solidFill>
+                  <a:srgbClr val="C00000"/>
+                </a:solidFill>
+                <a:latin typeface="Microsoft JhengHei" panose="020B0604030504040204" pitchFamily="34" charset="-120"/>
+                <a:ea typeface="Microsoft JhengHei" panose="020B0604030504040204" pitchFamily="34" charset="-120"/>
+                <a:cs typeface="+mj-cs"/>
+              </a:rPr>
+              <a:t>行道熱心要多禱告</a:t>
+            </a:r>
+            <a:endParaRPr lang="vi-VN" sz="5400" b="1" dirty="0">
+              <a:solidFill>
+                <a:srgbClr val="C00000"/>
+              </a:solidFill>
+              <a:latin typeface="Microsoft JhengHei" panose="020B0604030504040204" pitchFamily="34" charset="-120"/>
+              <a:ea typeface="Microsoft JhengHei" panose="020B0604030504040204" pitchFamily="34" charset="-120"/>
+              <a:cs typeface="+mj-cs"/>
+            </a:endParaRPr>
+          </a:p>
+        </p:txBody>
+      </p:sp>
+    </p:spTree>
+    <p:extLst>
+      <p:ext uri="{BB962C8B-B14F-4D97-AF65-F5344CB8AC3E}">
+        <p14:creationId xmlns:p14="http://schemas.microsoft.com/office/powerpoint/2010/main" xmlns="" val="1724713357"/>
       </p:ext>
     </p:extLst>
   </p:cSld>
@@ -3698,7 +5458,7 @@
     </p:spTree>
     <p:extLst>
       <p:ext uri="{BB962C8B-B14F-4D97-AF65-F5344CB8AC3E}">
-        <p14:creationId xmlns:p14="http://schemas.microsoft.com/office/powerpoint/2010/main" xmlns="" val="1867662582"/>
+        <p14:creationId xmlns="" xmlns:p14="http://schemas.microsoft.com/office/powerpoint/2010/main" val="1867662582"/>
       </p:ext>
     </p:extLst>
   </p:cSld>
@@ -3883,7 +5643,7 @@
     </p:spTree>
     <p:extLst>
       <p:ext uri="{BB962C8B-B14F-4D97-AF65-F5344CB8AC3E}">
-        <p14:creationId xmlns:p14="http://schemas.microsoft.com/office/powerpoint/2010/main" xmlns="" val="1109544916"/>
+        <p14:creationId xmlns="" xmlns:p14="http://schemas.microsoft.com/office/powerpoint/2010/main" val="1109544916"/>
       </p:ext>
     </p:extLst>
   </p:cSld>
@@ -4068,7 +5828,7 @@
     </p:spTree>
     <p:extLst>
       <p:ext uri="{BB962C8B-B14F-4D97-AF65-F5344CB8AC3E}">
-        <p14:creationId xmlns:p14="http://schemas.microsoft.com/office/powerpoint/2010/main" xmlns="" val="101743869"/>
+        <p14:creationId xmlns="" xmlns:p14="http://schemas.microsoft.com/office/powerpoint/2010/main" val="101743869"/>
       </p:ext>
     </p:extLst>
   </p:cSld>
@@ -4253,7 +6013,7 @@
     </p:spTree>
     <p:extLst>
       <p:ext uri="{BB962C8B-B14F-4D97-AF65-F5344CB8AC3E}">
-        <p14:creationId xmlns:p14="http://schemas.microsoft.com/office/powerpoint/2010/main" xmlns="" val="2617156390"/>
+        <p14:creationId xmlns="" xmlns:p14="http://schemas.microsoft.com/office/powerpoint/2010/main" val="2617156390"/>
       </p:ext>
     </p:extLst>
   </p:cSld>
@@ -4438,7 +6198,7 @@
     </p:spTree>
     <p:extLst>
       <p:ext uri="{BB962C8B-B14F-4D97-AF65-F5344CB8AC3E}">
-        <p14:creationId xmlns:p14="http://schemas.microsoft.com/office/powerpoint/2010/main" xmlns="" val="28345793"/>
+        <p14:creationId xmlns="" xmlns:p14="http://schemas.microsoft.com/office/powerpoint/2010/main" val="28345793"/>
       </p:ext>
     </p:extLst>
   </p:cSld>
@@ -4618,7 +6378,7 @@
     </p:spTree>
     <p:extLst>
       <p:ext uri="{BB962C8B-B14F-4D97-AF65-F5344CB8AC3E}">
-        <p14:creationId xmlns:p14="http://schemas.microsoft.com/office/powerpoint/2010/main" xmlns="" val="1510838989"/>
+        <p14:creationId xmlns="" xmlns:p14="http://schemas.microsoft.com/office/powerpoint/2010/main" val="1510838989"/>
       </p:ext>
     </p:extLst>
   </p:cSld>
@@ -4784,7 +6544,7 @@
     </p:spTree>
     <p:extLst>
       <p:ext uri="{BB962C8B-B14F-4D97-AF65-F5344CB8AC3E}">
-        <p14:creationId xmlns:p14="http://schemas.microsoft.com/office/powerpoint/2010/main" xmlns="" val="543781271"/>
+        <p14:creationId xmlns="" xmlns:p14="http://schemas.microsoft.com/office/powerpoint/2010/main" val="543781271"/>
       </p:ext>
     </p:extLst>
   </p:cSld>
@@ -4957,7 +6717,7 @@
     </p:spTree>
     <p:extLst>
       <p:ext uri="{BB962C8B-B14F-4D97-AF65-F5344CB8AC3E}">
-        <p14:creationId xmlns:p14="http://schemas.microsoft.com/office/powerpoint/2010/main" xmlns="" val="2600024296"/>
+        <p14:creationId xmlns="" xmlns:p14="http://schemas.microsoft.com/office/powerpoint/2010/main" val="2600024296"/>
       </p:ext>
     </p:extLst>
   </p:cSld>
@@ -5249,7 +7009,7 @@
   <a:extraClrSchemeLst/>
   <a:extLst>
     <a:ext uri="{05A4C25C-085E-4340-85A3-A5531E510DB2}">
-      <thm15:themeFamily xmlns:thm15="http://schemas.microsoft.com/office/thememl/2012/main" xmlns="" name="Theme1" id="{AFC7C034-021A-479F-A5B0-F4AE2AC2A6F8}" vid="{E4B01A5C-7C0B-4AB8-8973-047186F18E30}"/>
+      <thm15:themeFamily xmlns="" xmlns:thm15="http://schemas.microsoft.com/office/thememl/2012/main" name="Theme1" id="{AFC7C034-021A-479F-A5B0-F4AE2AC2A6F8}" vid="{E4B01A5C-7C0B-4AB8-8973-047186F18E30}"/>
     </a:ext>
   </a:extLst>
 </a:theme>
